--- a/photo/視覺稿/MainPage.pptx
+++ b/photo/視覺稿/MainPage.pptx
@@ -2,10 +2,10 @@
 <file path=ppt/presentation.xml><?xml version="1.0" encoding="utf-8"?>
 <p:presentation xmlns:a="http://schemas.openxmlformats.org/drawingml/2006/main" xmlns:r="http://schemas.openxmlformats.org/officeDocument/2006/relationships" xmlns:p="http://schemas.openxmlformats.org/presentationml/2006/main" saveSubsetFonts="1">
   <p:sldMasterIdLst>
-    <p:sldMasterId id="2147483660" r:id="rId1"/>
+    <p:sldMasterId id="2147483768" r:id="rId1"/>
   </p:sldMasterIdLst>
   <p:sldIdLst>
-    <p:sldId id="256" r:id="rId2"/>
+    <p:sldId id="257" r:id="rId2"/>
   </p:sldIdLst>
   <p:sldSz cx="8128000" cy="13633450"/>
   <p:notesSz cx="6858000" cy="9144000"/>
@@ -236,7 +236,7 @@
           <a:bodyPr/>
           <a:lstStyle/>
           <a:p>
-            <a:fld id="{E15D28A7-571C-41DF-B2C6-E4B4BF497D84}" type="datetimeFigureOut">
+            <a:fld id="{7792D7F7-5249-461F-83BA-2956EA5AF536}" type="datetimeFigureOut">
               <a:rPr lang="zh-TW" altLang="en-US" smtClean="0"/>
               <a:t>2017/4/26</a:t>
             </a:fld>
@@ -278,7 +278,7 @@
           <a:bodyPr/>
           <a:lstStyle/>
           <a:p>
-            <a:fld id="{8BD5467D-59FD-40A2-B64D-7111FA00D0FF}" type="slidenum">
+            <a:fld id="{3E2CF0B3-20AE-4DEC-8A3B-93B7A6F39269}" type="slidenum">
               <a:rPr lang="zh-TW" altLang="en-US" smtClean="0"/>
               <a:t>‹#›</a:t>
             </a:fld>
@@ -289,7 +289,7 @@
     </p:spTree>
     <p:extLst>
       <p:ext uri="{BB962C8B-B14F-4D97-AF65-F5344CB8AC3E}">
-        <p14:creationId xmlns:p14="http://schemas.microsoft.com/office/powerpoint/2010/main" val="1075194005"/>
+        <p14:creationId xmlns:p14="http://schemas.microsoft.com/office/powerpoint/2010/main" val="3933743584"/>
       </p:ext>
     </p:extLst>
   </p:cSld>
@@ -406,7 +406,7 @@
           <a:bodyPr/>
           <a:lstStyle/>
           <a:p>
-            <a:fld id="{E15D28A7-571C-41DF-B2C6-E4B4BF497D84}" type="datetimeFigureOut">
+            <a:fld id="{7792D7F7-5249-461F-83BA-2956EA5AF536}" type="datetimeFigureOut">
               <a:rPr lang="zh-TW" altLang="en-US" smtClean="0"/>
               <a:t>2017/4/26</a:t>
             </a:fld>
@@ -448,7 +448,7 @@
           <a:bodyPr/>
           <a:lstStyle/>
           <a:p>
-            <a:fld id="{8BD5467D-59FD-40A2-B64D-7111FA00D0FF}" type="slidenum">
+            <a:fld id="{3E2CF0B3-20AE-4DEC-8A3B-93B7A6F39269}" type="slidenum">
               <a:rPr lang="zh-TW" altLang="en-US" smtClean="0"/>
               <a:t>‹#›</a:t>
             </a:fld>
@@ -459,7 +459,7 @@
     </p:spTree>
     <p:extLst>
       <p:ext uri="{BB962C8B-B14F-4D97-AF65-F5344CB8AC3E}">
-        <p14:creationId xmlns:p14="http://schemas.microsoft.com/office/powerpoint/2010/main" val="3877752573"/>
+        <p14:creationId xmlns:p14="http://schemas.microsoft.com/office/powerpoint/2010/main" val="3064840953"/>
       </p:ext>
     </p:extLst>
   </p:cSld>
@@ -586,7 +586,7 @@
           <a:bodyPr/>
           <a:lstStyle/>
           <a:p>
-            <a:fld id="{E15D28A7-571C-41DF-B2C6-E4B4BF497D84}" type="datetimeFigureOut">
+            <a:fld id="{7792D7F7-5249-461F-83BA-2956EA5AF536}" type="datetimeFigureOut">
               <a:rPr lang="zh-TW" altLang="en-US" smtClean="0"/>
               <a:t>2017/4/26</a:t>
             </a:fld>
@@ -628,7 +628,7 @@
           <a:bodyPr/>
           <a:lstStyle/>
           <a:p>
-            <a:fld id="{8BD5467D-59FD-40A2-B64D-7111FA00D0FF}" type="slidenum">
+            <a:fld id="{3E2CF0B3-20AE-4DEC-8A3B-93B7A6F39269}" type="slidenum">
               <a:rPr lang="zh-TW" altLang="en-US" smtClean="0"/>
               <a:t>‹#›</a:t>
             </a:fld>
@@ -639,7 +639,7 @@
     </p:spTree>
     <p:extLst>
       <p:ext uri="{BB962C8B-B14F-4D97-AF65-F5344CB8AC3E}">
-        <p14:creationId xmlns:p14="http://schemas.microsoft.com/office/powerpoint/2010/main" val="2211642744"/>
+        <p14:creationId xmlns:p14="http://schemas.microsoft.com/office/powerpoint/2010/main" val="897057201"/>
       </p:ext>
     </p:extLst>
   </p:cSld>
@@ -756,7 +756,7 @@
           <a:bodyPr/>
           <a:lstStyle/>
           <a:p>
-            <a:fld id="{E15D28A7-571C-41DF-B2C6-E4B4BF497D84}" type="datetimeFigureOut">
+            <a:fld id="{7792D7F7-5249-461F-83BA-2956EA5AF536}" type="datetimeFigureOut">
               <a:rPr lang="zh-TW" altLang="en-US" smtClean="0"/>
               <a:t>2017/4/26</a:t>
             </a:fld>
@@ -798,7 +798,7 @@
           <a:bodyPr/>
           <a:lstStyle/>
           <a:p>
-            <a:fld id="{8BD5467D-59FD-40A2-B64D-7111FA00D0FF}" type="slidenum">
+            <a:fld id="{3E2CF0B3-20AE-4DEC-8A3B-93B7A6F39269}" type="slidenum">
               <a:rPr lang="zh-TW" altLang="en-US" smtClean="0"/>
               <a:t>‹#›</a:t>
             </a:fld>
@@ -809,7 +809,7 @@
     </p:spTree>
     <p:extLst>
       <p:ext uri="{BB962C8B-B14F-4D97-AF65-F5344CB8AC3E}">
-        <p14:creationId xmlns:p14="http://schemas.microsoft.com/office/powerpoint/2010/main" val="3494408189"/>
+        <p14:creationId xmlns:p14="http://schemas.microsoft.com/office/powerpoint/2010/main" val="3320253292"/>
       </p:ext>
     </p:extLst>
   </p:cSld>
@@ -1000,7 +1000,7 @@
           <a:bodyPr/>
           <a:lstStyle/>
           <a:p>
-            <a:fld id="{E15D28A7-571C-41DF-B2C6-E4B4BF497D84}" type="datetimeFigureOut">
+            <a:fld id="{7792D7F7-5249-461F-83BA-2956EA5AF536}" type="datetimeFigureOut">
               <a:rPr lang="zh-TW" altLang="en-US" smtClean="0"/>
               <a:t>2017/4/26</a:t>
             </a:fld>
@@ -1042,7 +1042,7 @@
           <a:bodyPr/>
           <a:lstStyle/>
           <a:p>
-            <a:fld id="{8BD5467D-59FD-40A2-B64D-7111FA00D0FF}" type="slidenum">
+            <a:fld id="{3E2CF0B3-20AE-4DEC-8A3B-93B7A6F39269}" type="slidenum">
               <a:rPr lang="zh-TW" altLang="en-US" smtClean="0"/>
               <a:t>‹#›</a:t>
             </a:fld>
@@ -1053,7 +1053,7 @@
     </p:spTree>
     <p:extLst>
       <p:ext uri="{BB962C8B-B14F-4D97-AF65-F5344CB8AC3E}">
-        <p14:creationId xmlns:p14="http://schemas.microsoft.com/office/powerpoint/2010/main" val="3822669266"/>
+        <p14:creationId xmlns:p14="http://schemas.microsoft.com/office/powerpoint/2010/main" val="4132692369"/>
       </p:ext>
     </p:extLst>
   </p:cSld>
@@ -1232,7 +1232,7 @@
           <a:bodyPr/>
           <a:lstStyle/>
           <a:p>
-            <a:fld id="{E15D28A7-571C-41DF-B2C6-E4B4BF497D84}" type="datetimeFigureOut">
+            <a:fld id="{7792D7F7-5249-461F-83BA-2956EA5AF536}" type="datetimeFigureOut">
               <a:rPr lang="zh-TW" altLang="en-US" smtClean="0"/>
               <a:t>2017/4/26</a:t>
             </a:fld>
@@ -1274,7 +1274,7 @@
           <a:bodyPr/>
           <a:lstStyle/>
           <a:p>
-            <a:fld id="{8BD5467D-59FD-40A2-B64D-7111FA00D0FF}" type="slidenum">
+            <a:fld id="{3E2CF0B3-20AE-4DEC-8A3B-93B7A6F39269}" type="slidenum">
               <a:rPr lang="zh-TW" altLang="en-US" smtClean="0"/>
               <a:t>‹#›</a:t>
             </a:fld>
@@ -1285,7 +1285,7 @@
     </p:spTree>
     <p:extLst>
       <p:ext uri="{BB962C8B-B14F-4D97-AF65-F5344CB8AC3E}">
-        <p14:creationId xmlns:p14="http://schemas.microsoft.com/office/powerpoint/2010/main" val="4263722598"/>
+        <p14:creationId xmlns:p14="http://schemas.microsoft.com/office/powerpoint/2010/main" val="1442326067"/>
       </p:ext>
     </p:extLst>
   </p:cSld>
@@ -1599,7 +1599,7 @@
           <a:bodyPr/>
           <a:lstStyle/>
           <a:p>
-            <a:fld id="{E15D28A7-571C-41DF-B2C6-E4B4BF497D84}" type="datetimeFigureOut">
+            <a:fld id="{7792D7F7-5249-461F-83BA-2956EA5AF536}" type="datetimeFigureOut">
               <a:rPr lang="zh-TW" altLang="en-US" smtClean="0"/>
               <a:t>2017/4/26</a:t>
             </a:fld>
@@ -1641,7 +1641,7 @@
           <a:bodyPr/>
           <a:lstStyle/>
           <a:p>
-            <a:fld id="{8BD5467D-59FD-40A2-B64D-7111FA00D0FF}" type="slidenum">
+            <a:fld id="{3E2CF0B3-20AE-4DEC-8A3B-93B7A6F39269}" type="slidenum">
               <a:rPr lang="zh-TW" altLang="en-US" smtClean="0"/>
               <a:t>‹#›</a:t>
             </a:fld>
@@ -1652,7 +1652,7 @@
     </p:spTree>
     <p:extLst>
       <p:ext uri="{BB962C8B-B14F-4D97-AF65-F5344CB8AC3E}">
-        <p14:creationId xmlns:p14="http://schemas.microsoft.com/office/powerpoint/2010/main" val="1268090643"/>
+        <p14:creationId xmlns:p14="http://schemas.microsoft.com/office/powerpoint/2010/main" val="3557730725"/>
       </p:ext>
     </p:extLst>
   </p:cSld>
@@ -1717,7 +1717,7 @@
           <a:bodyPr/>
           <a:lstStyle/>
           <a:p>
-            <a:fld id="{E15D28A7-571C-41DF-B2C6-E4B4BF497D84}" type="datetimeFigureOut">
+            <a:fld id="{7792D7F7-5249-461F-83BA-2956EA5AF536}" type="datetimeFigureOut">
               <a:rPr lang="zh-TW" altLang="en-US" smtClean="0"/>
               <a:t>2017/4/26</a:t>
             </a:fld>
@@ -1759,7 +1759,7 @@
           <a:bodyPr/>
           <a:lstStyle/>
           <a:p>
-            <a:fld id="{8BD5467D-59FD-40A2-B64D-7111FA00D0FF}" type="slidenum">
+            <a:fld id="{3E2CF0B3-20AE-4DEC-8A3B-93B7A6F39269}" type="slidenum">
               <a:rPr lang="zh-TW" altLang="en-US" smtClean="0"/>
               <a:t>‹#›</a:t>
             </a:fld>
@@ -1770,7 +1770,7 @@
     </p:spTree>
     <p:extLst>
       <p:ext uri="{BB962C8B-B14F-4D97-AF65-F5344CB8AC3E}">
-        <p14:creationId xmlns:p14="http://schemas.microsoft.com/office/powerpoint/2010/main" val="1683377154"/>
+        <p14:creationId xmlns:p14="http://schemas.microsoft.com/office/powerpoint/2010/main" val="3209912741"/>
       </p:ext>
     </p:extLst>
   </p:cSld>
@@ -1812,7 +1812,7 @@
           <a:bodyPr/>
           <a:lstStyle/>
           <a:p>
-            <a:fld id="{E15D28A7-571C-41DF-B2C6-E4B4BF497D84}" type="datetimeFigureOut">
+            <a:fld id="{7792D7F7-5249-461F-83BA-2956EA5AF536}" type="datetimeFigureOut">
               <a:rPr lang="zh-TW" altLang="en-US" smtClean="0"/>
               <a:t>2017/4/26</a:t>
             </a:fld>
@@ -1854,7 +1854,7 @@
           <a:bodyPr/>
           <a:lstStyle/>
           <a:p>
-            <a:fld id="{8BD5467D-59FD-40A2-B64D-7111FA00D0FF}" type="slidenum">
+            <a:fld id="{3E2CF0B3-20AE-4DEC-8A3B-93B7A6F39269}" type="slidenum">
               <a:rPr lang="zh-TW" altLang="en-US" smtClean="0"/>
               <a:t>‹#›</a:t>
             </a:fld>
@@ -1865,7 +1865,7 @@
     </p:spTree>
     <p:extLst>
       <p:ext uri="{BB962C8B-B14F-4D97-AF65-F5344CB8AC3E}">
-        <p14:creationId xmlns:p14="http://schemas.microsoft.com/office/powerpoint/2010/main" val="4113888919"/>
+        <p14:creationId xmlns:p14="http://schemas.microsoft.com/office/powerpoint/2010/main" val="3274910428"/>
       </p:ext>
     </p:extLst>
   </p:cSld>
@@ -2089,7 +2089,7 @@
           <a:bodyPr/>
           <a:lstStyle/>
           <a:p>
-            <a:fld id="{E15D28A7-571C-41DF-B2C6-E4B4BF497D84}" type="datetimeFigureOut">
+            <a:fld id="{7792D7F7-5249-461F-83BA-2956EA5AF536}" type="datetimeFigureOut">
               <a:rPr lang="zh-TW" altLang="en-US" smtClean="0"/>
               <a:t>2017/4/26</a:t>
             </a:fld>
@@ -2131,7 +2131,7 @@
           <a:bodyPr/>
           <a:lstStyle/>
           <a:p>
-            <a:fld id="{8BD5467D-59FD-40A2-B64D-7111FA00D0FF}" type="slidenum">
+            <a:fld id="{3E2CF0B3-20AE-4DEC-8A3B-93B7A6F39269}" type="slidenum">
               <a:rPr lang="zh-TW" altLang="en-US" smtClean="0"/>
               <a:t>‹#›</a:t>
             </a:fld>
@@ -2142,7 +2142,7 @@
     </p:spTree>
     <p:extLst>
       <p:ext uri="{BB962C8B-B14F-4D97-AF65-F5344CB8AC3E}">
-        <p14:creationId xmlns:p14="http://schemas.microsoft.com/office/powerpoint/2010/main" val="2588843122"/>
+        <p14:creationId xmlns:p14="http://schemas.microsoft.com/office/powerpoint/2010/main" val="1661213344"/>
       </p:ext>
     </p:extLst>
   </p:cSld>
@@ -2346,7 +2346,7 @@
           <a:bodyPr/>
           <a:lstStyle/>
           <a:p>
-            <a:fld id="{E15D28A7-571C-41DF-B2C6-E4B4BF497D84}" type="datetimeFigureOut">
+            <a:fld id="{7792D7F7-5249-461F-83BA-2956EA5AF536}" type="datetimeFigureOut">
               <a:rPr lang="zh-TW" altLang="en-US" smtClean="0"/>
               <a:t>2017/4/26</a:t>
             </a:fld>
@@ -2388,7 +2388,7 @@
           <a:bodyPr/>
           <a:lstStyle/>
           <a:p>
-            <a:fld id="{8BD5467D-59FD-40A2-B64D-7111FA00D0FF}" type="slidenum">
+            <a:fld id="{3E2CF0B3-20AE-4DEC-8A3B-93B7A6F39269}" type="slidenum">
               <a:rPr lang="zh-TW" altLang="en-US" smtClean="0"/>
               <a:t>‹#›</a:t>
             </a:fld>
@@ -2399,7 +2399,7 @@
     </p:spTree>
     <p:extLst>
       <p:ext uri="{BB962C8B-B14F-4D97-AF65-F5344CB8AC3E}">
-        <p14:creationId xmlns:p14="http://schemas.microsoft.com/office/powerpoint/2010/main" val="1980541433"/>
+        <p14:creationId xmlns:p14="http://schemas.microsoft.com/office/powerpoint/2010/main" val="2064288046"/>
       </p:ext>
     </p:extLst>
   </p:cSld>
@@ -2559,7 +2559,7 @@
             </a:lvl1pPr>
           </a:lstStyle>
           <a:p>
-            <a:fld id="{E15D28A7-571C-41DF-B2C6-E4B4BF497D84}" type="datetimeFigureOut">
+            <a:fld id="{7792D7F7-5249-461F-83BA-2956EA5AF536}" type="datetimeFigureOut">
               <a:rPr lang="zh-TW" altLang="en-US" smtClean="0"/>
               <a:t>2017/4/26</a:t>
             </a:fld>
@@ -2637,7 +2637,7 @@
             </a:lvl1pPr>
           </a:lstStyle>
           <a:p>
-            <a:fld id="{8BD5467D-59FD-40A2-B64D-7111FA00D0FF}" type="slidenum">
+            <a:fld id="{3E2CF0B3-20AE-4DEC-8A3B-93B7A6F39269}" type="slidenum">
               <a:rPr lang="zh-TW" altLang="en-US" smtClean="0"/>
               <a:t>‹#›</a:t>
             </a:fld>
@@ -2648,23 +2648,23 @@
     </p:spTree>
     <p:extLst>
       <p:ext uri="{BB962C8B-B14F-4D97-AF65-F5344CB8AC3E}">
-        <p14:creationId xmlns:p14="http://schemas.microsoft.com/office/powerpoint/2010/main" val="1929356789"/>
+        <p14:creationId xmlns:p14="http://schemas.microsoft.com/office/powerpoint/2010/main" val="2926203823"/>
       </p:ext>
     </p:extLst>
   </p:cSld>
   <p:clrMap bg1="lt1" tx1="dk1" bg2="lt2" tx2="dk2" accent1="accent1" accent2="accent2" accent3="accent3" accent4="accent4" accent5="accent5" accent6="accent6" hlink="hlink" folHlink="folHlink"/>
   <p:sldLayoutIdLst>
-    <p:sldLayoutId id="2147483661" r:id="rId1"/>
-    <p:sldLayoutId id="2147483662" r:id="rId2"/>
-    <p:sldLayoutId id="2147483663" r:id="rId3"/>
-    <p:sldLayoutId id="2147483664" r:id="rId4"/>
-    <p:sldLayoutId id="2147483665" r:id="rId5"/>
-    <p:sldLayoutId id="2147483666" r:id="rId6"/>
-    <p:sldLayoutId id="2147483667" r:id="rId7"/>
-    <p:sldLayoutId id="2147483668" r:id="rId8"/>
-    <p:sldLayoutId id="2147483669" r:id="rId9"/>
-    <p:sldLayoutId id="2147483670" r:id="rId10"/>
-    <p:sldLayoutId id="2147483671" r:id="rId11"/>
+    <p:sldLayoutId id="2147483769" r:id="rId1"/>
+    <p:sldLayoutId id="2147483770" r:id="rId2"/>
+    <p:sldLayoutId id="2147483771" r:id="rId3"/>
+    <p:sldLayoutId id="2147483772" r:id="rId4"/>
+    <p:sldLayoutId id="2147483773" r:id="rId5"/>
+    <p:sldLayoutId id="2147483774" r:id="rId6"/>
+    <p:sldLayoutId id="2147483775" r:id="rId7"/>
+    <p:sldLayoutId id="2147483776" r:id="rId8"/>
+    <p:sldLayoutId id="2147483777" r:id="rId9"/>
+    <p:sldLayoutId id="2147483778" r:id="rId10"/>
+    <p:sldLayoutId id="2147483779" r:id="rId11"/>
   </p:sldLayoutIdLst>
   <p:txStyles>
     <p:titleStyle>
@@ -2966,54 +2966,16 @@
           <a:chExt cx="0" cy="0"/>
         </a:xfrm>
       </p:grpSpPr>
-      <p:sp>
-        <p:nvSpPr>
-          <p:cNvPr id="2" name="標題 1"/>
-          <p:cNvSpPr>
-            <a:spLocks noGrp="1"/>
-          </p:cNvSpPr>
-          <p:nvPr>
-            <p:ph type="ctrTitle"/>
-          </p:nvPr>
-        </p:nvSpPr>
-        <p:spPr/>
-        <p:txBody>
-          <a:bodyPr/>
-          <a:lstStyle/>
-          <a:p>
-            <a:endParaRPr lang="zh-TW" altLang="en-US"/>
-          </a:p>
-        </p:txBody>
-      </p:sp>
-      <p:sp>
-        <p:nvSpPr>
-          <p:cNvPr id="3" name="副標題 2"/>
-          <p:cNvSpPr>
-            <a:spLocks noGrp="1"/>
-          </p:cNvSpPr>
-          <p:nvPr>
-            <p:ph type="subTitle" idx="1"/>
-          </p:nvPr>
-        </p:nvSpPr>
-        <p:spPr/>
-        <p:txBody>
-          <a:bodyPr/>
-          <a:lstStyle/>
-          <a:p>
-            <a:endParaRPr lang="zh-TW" altLang="en-US"/>
-          </a:p>
-        </p:txBody>
-      </p:sp>
       <p:pic>
         <p:nvPicPr>
-          <p:cNvPr id="5" name="圖片 4"/>
+          <p:cNvPr id="4" name="圖片 3"/>
           <p:cNvPicPr>
             <a:picLocks noChangeAspect="1"/>
           </p:cNvPicPr>
           <p:nvPr/>
         </p:nvPicPr>
         <p:blipFill>
-          <a:blip r:embed="rId2" cstate="print">
+          <a:blip r:embed="rId2">
             <a:extLst>
               <a:ext uri="{28A0092B-C50C-407E-A947-70E740481C1C}">
                 <a14:useLocalDpi xmlns:a14="http://schemas.microsoft.com/office/drawing/2010/main" val="0"/>
@@ -3026,18 +2988,3293 @@
         </p:blipFill>
         <p:spPr>
           <a:xfrm>
-            <a:off x="2701131" y="4530725"/>
-            <a:ext cx="2725738" cy="4572000"/>
+            <a:off x="0" y="0"/>
+            <a:ext cx="8221725" cy="13790658"/>
           </a:xfrm>
           <a:prstGeom prst="rect">
             <a:avLst/>
           </a:prstGeom>
         </p:spPr>
       </p:pic>
+      <p:sp>
+        <p:nvSpPr>
+          <p:cNvPr id="5" name="矩形 4"/>
+          <p:cNvSpPr/>
+          <p:nvPr/>
+        </p:nvSpPr>
+        <p:spPr>
+          <a:xfrm>
+            <a:off x="13815" y="459798"/>
+            <a:ext cx="8177275" cy="11005657"/>
+          </a:xfrm>
+          <a:prstGeom prst="rect">
+            <a:avLst/>
+          </a:prstGeom>
+          <a:solidFill>
+            <a:schemeClr val="bg1"/>
+          </a:solidFill>
+          <a:ln>
+            <a:solidFill>
+              <a:schemeClr val="bg1"/>
+            </a:solidFill>
+          </a:ln>
+        </p:spPr>
+        <p:style>
+          <a:lnRef idx="2">
+            <a:schemeClr val="accent1">
+              <a:shade val="50000"/>
+            </a:schemeClr>
+          </a:lnRef>
+          <a:fillRef idx="1">
+            <a:schemeClr val="accent1"/>
+          </a:fillRef>
+          <a:effectRef idx="0">
+            <a:schemeClr val="accent1"/>
+          </a:effectRef>
+          <a:fontRef idx="minor">
+            <a:schemeClr val="lt1"/>
+          </a:fontRef>
+        </p:style>
+        <p:txBody>
+          <a:bodyPr rtlCol="0" anchor="ctr"/>
+          <a:lstStyle/>
+          <a:p>
+            <a:pPr algn="ctr"/>
+            <a:endParaRPr lang="zh-TW" altLang="en-US" dirty="0">
+              <a:solidFill>
+                <a:schemeClr val="tx1"/>
+              </a:solidFill>
+              <a:latin typeface="Times New Roman" panose="02020603050405020304" pitchFamily="18" charset="0"/>
+              <a:ea typeface="微軟正黑體" panose="020B0604030504040204" pitchFamily="34" charset="-120"/>
+            </a:endParaRPr>
+          </a:p>
+        </p:txBody>
+      </p:sp>
+      <p:sp>
+        <p:nvSpPr>
+          <p:cNvPr id="3" name="矩形 2"/>
+          <p:cNvSpPr/>
+          <p:nvPr/>
+        </p:nvSpPr>
+        <p:spPr>
+          <a:xfrm>
+            <a:off x="25399" y="471638"/>
+            <a:ext cx="8177275" cy="587141"/>
+          </a:xfrm>
+          <a:prstGeom prst="rect">
+            <a:avLst/>
+          </a:prstGeom>
+          <a:solidFill>
+            <a:srgbClr val="F8F8F8"/>
+          </a:solidFill>
+          <a:ln>
+            <a:solidFill>
+              <a:srgbClr val="E7E7E7"/>
+            </a:solidFill>
+          </a:ln>
+        </p:spPr>
+        <p:style>
+          <a:lnRef idx="2">
+            <a:schemeClr val="accent1">
+              <a:shade val="50000"/>
+            </a:schemeClr>
+          </a:lnRef>
+          <a:fillRef idx="1">
+            <a:schemeClr val="accent1"/>
+          </a:fillRef>
+          <a:effectRef idx="0">
+            <a:schemeClr val="accent1"/>
+          </a:effectRef>
+          <a:fontRef idx="minor">
+            <a:schemeClr val="lt1"/>
+          </a:fontRef>
+        </p:style>
+        <p:txBody>
+          <a:bodyPr rtlCol="0" anchor="ctr"/>
+          <a:lstStyle/>
+          <a:p>
+            <a:pPr algn="ctr"/>
+            <a:endParaRPr lang="zh-TW" altLang="en-US" dirty="0">
+              <a:latin typeface="Times New Roman" panose="02020603050405020304" pitchFamily="18" charset="0"/>
+              <a:ea typeface="微軟正黑體" panose="020B0604030504040204" pitchFamily="34" charset="-120"/>
+            </a:endParaRPr>
+          </a:p>
+        </p:txBody>
+      </p:sp>
+      <p:pic>
+        <p:nvPicPr>
+          <p:cNvPr id="2" name="圖片 1"/>
+          <p:cNvPicPr>
+            <a:picLocks noChangeAspect="1"/>
+          </p:cNvPicPr>
+          <p:nvPr/>
+        </p:nvPicPr>
+        <p:blipFill>
+          <a:blip r:embed="rId3" cstate="print">
+            <a:extLst>
+              <a:ext uri="{28A0092B-C50C-407E-A947-70E740481C1C}">
+                <a14:useLocalDpi xmlns:a14="http://schemas.microsoft.com/office/drawing/2010/main" val="0"/>
+              </a:ext>
+            </a:extLst>
+          </a:blip>
+          <a:stretch>
+            <a:fillRect/>
+          </a:stretch>
+        </p:blipFill>
+        <p:spPr>
+          <a:xfrm>
+            <a:off x="408426" y="693533"/>
+            <a:ext cx="599107" cy="203130"/>
+          </a:xfrm>
+          <a:prstGeom prst="rect">
+            <a:avLst/>
+          </a:prstGeom>
+        </p:spPr>
+      </p:pic>
+      <p:sp>
+        <p:nvSpPr>
+          <p:cNvPr id="6" name="文字方塊 5"/>
+          <p:cNvSpPr txBox="1"/>
+          <p:nvPr/>
+        </p:nvSpPr>
+        <p:spPr>
+          <a:xfrm>
+            <a:off x="1137090" y="635210"/>
+            <a:ext cx="1044740" cy="276999"/>
+          </a:xfrm>
+          <a:prstGeom prst="rect">
+            <a:avLst/>
+          </a:prstGeom>
+          <a:noFill/>
+        </p:spPr>
+        <p:txBody>
+          <a:bodyPr wrap="square" rtlCol="0">
+            <a:spAutoFit/>
+          </a:bodyPr>
+          <a:lstStyle/>
+          <a:p>
+            <a:r>
+              <a:rPr lang="zh-TW" altLang="en-US" sz="1200" dirty="0" smtClean="0">
+                <a:latin typeface="Times New Roman" panose="02020603050405020304" pitchFamily="18" charset="0"/>
+                <a:ea typeface="微軟正黑體" panose="020B0604030504040204" pitchFamily="34" charset="-120"/>
+              </a:rPr>
+              <a:t>最新消息</a:t>
+            </a:r>
+            <a:endParaRPr lang="zh-TW" altLang="en-US" sz="1200" dirty="0">
+              <a:latin typeface="Times New Roman" panose="02020603050405020304" pitchFamily="18" charset="0"/>
+              <a:ea typeface="微軟正黑體" panose="020B0604030504040204" pitchFamily="34" charset="-120"/>
+            </a:endParaRPr>
+          </a:p>
+        </p:txBody>
+      </p:sp>
+      <p:sp>
+        <p:nvSpPr>
+          <p:cNvPr id="7" name="文字方塊 6"/>
+          <p:cNvSpPr txBox="1"/>
+          <p:nvPr/>
+        </p:nvSpPr>
+        <p:spPr>
+          <a:xfrm>
+            <a:off x="2053732" y="635210"/>
+            <a:ext cx="1044740" cy="276999"/>
+          </a:xfrm>
+          <a:prstGeom prst="rect">
+            <a:avLst/>
+          </a:prstGeom>
+          <a:noFill/>
+        </p:spPr>
+        <p:txBody>
+          <a:bodyPr wrap="square" rtlCol="0">
+            <a:spAutoFit/>
+          </a:bodyPr>
+          <a:lstStyle/>
+          <a:p>
+            <a:r>
+              <a:rPr lang="zh-TW" altLang="en-US" sz="1200" dirty="0" smtClean="0">
+                <a:latin typeface="Times New Roman" panose="02020603050405020304" pitchFamily="18" charset="0"/>
+                <a:ea typeface="微軟正黑體" panose="020B0604030504040204" pitchFamily="34" charset="-120"/>
+              </a:rPr>
+              <a:t>系所介紹</a:t>
+            </a:r>
+            <a:endParaRPr lang="zh-TW" altLang="en-US" sz="1200" dirty="0">
+              <a:latin typeface="Times New Roman" panose="02020603050405020304" pitchFamily="18" charset="0"/>
+              <a:ea typeface="微軟正黑體" panose="020B0604030504040204" pitchFamily="34" charset="-120"/>
+            </a:endParaRPr>
+          </a:p>
+        </p:txBody>
+      </p:sp>
+      <p:sp>
+        <p:nvSpPr>
+          <p:cNvPr id="8" name="文字方塊 7"/>
+          <p:cNvSpPr txBox="1"/>
+          <p:nvPr/>
+        </p:nvSpPr>
+        <p:spPr>
+          <a:xfrm>
+            <a:off x="2962953" y="616503"/>
+            <a:ext cx="1044740" cy="276999"/>
+          </a:xfrm>
+          <a:prstGeom prst="rect">
+            <a:avLst/>
+          </a:prstGeom>
+          <a:noFill/>
+        </p:spPr>
+        <p:txBody>
+          <a:bodyPr wrap="square" rtlCol="0">
+            <a:spAutoFit/>
+          </a:bodyPr>
+          <a:lstStyle/>
+          <a:p>
+            <a:r>
+              <a:rPr lang="zh-TW" altLang="en-US" sz="1200" dirty="0" smtClean="0">
+                <a:latin typeface="Times New Roman" panose="02020603050405020304" pitchFamily="18" charset="0"/>
+                <a:ea typeface="微軟正黑體" panose="020B0604030504040204" pitchFamily="34" charset="-120"/>
+              </a:rPr>
+              <a:t>系所成員</a:t>
+            </a:r>
+            <a:endParaRPr lang="zh-TW" altLang="en-US" sz="1200" dirty="0">
+              <a:latin typeface="Times New Roman" panose="02020603050405020304" pitchFamily="18" charset="0"/>
+              <a:ea typeface="微軟正黑體" panose="020B0604030504040204" pitchFamily="34" charset="-120"/>
+            </a:endParaRPr>
+          </a:p>
+        </p:txBody>
+      </p:sp>
+      <p:sp>
+        <p:nvSpPr>
+          <p:cNvPr id="9" name="文字方塊 8"/>
+          <p:cNvSpPr txBox="1"/>
+          <p:nvPr/>
+        </p:nvSpPr>
+        <p:spPr>
+          <a:xfrm>
+            <a:off x="3782496" y="616503"/>
+            <a:ext cx="1044740" cy="276999"/>
+          </a:xfrm>
+          <a:prstGeom prst="rect">
+            <a:avLst/>
+          </a:prstGeom>
+          <a:noFill/>
+        </p:spPr>
+        <p:txBody>
+          <a:bodyPr wrap="square" rtlCol="0">
+            <a:spAutoFit/>
+          </a:bodyPr>
+          <a:lstStyle/>
+          <a:p>
+            <a:r>
+              <a:rPr lang="zh-TW" altLang="en-US" sz="1200" dirty="0" smtClean="0">
+                <a:latin typeface="Times New Roman" panose="02020603050405020304" pitchFamily="18" charset="0"/>
+                <a:ea typeface="微軟正黑體" panose="020B0604030504040204" pitchFamily="34" charset="-120"/>
+              </a:rPr>
+              <a:t>課程資訊</a:t>
+            </a:r>
+            <a:endParaRPr lang="zh-TW" altLang="en-US" sz="1200" dirty="0">
+              <a:latin typeface="Times New Roman" panose="02020603050405020304" pitchFamily="18" charset="0"/>
+              <a:ea typeface="微軟正黑體" panose="020B0604030504040204" pitchFamily="34" charset="-120"/>
+            </a:endParaRPr>
+          </a:p>
+        </p:txBody>
+      </p:sp>
+      <p:sp>
+        <p:nvSpPr>
+          <p:cNvPr id="10" name="文字方塊 9"/>
+          <p:cNvSpPr txBox="1"/>
+          <p:nvPr/>
+        </p:nvSpPr>
+        <p:spPr>
+          <a:xfrm>
+            <a:off x="4583390" y="616502"/>
+            <a:ext cx="1044740" cy="276999"/>
+          </a:xfrm>
+          <a:prstGeom prst="rect">
+            <a:avLst/>
+          </a:prstGeom>
+          <a:noFill/>
+        </p:spPr>
+        <p:txBody>
+          <a:bodyPr wrap="square" rtlCol="0">
+            <a:spAutoFit/>
+          </a:bodyPr>
+          <a:lstStyle/>
+          <a:p>
+            <a:r>
+              <a:rPr lang="zh-TW" altLang="en-US" sz="1200" dirty="0" smtClean="0">
+                <a:latin typeface="Times New Roman" panose="02020603050405020304" pitchFamily="18" charset="0"/>
+                <a:ea typeface="微軟正黑體" panose="020B0604030504040204" pitchFamily="34" charset="-120"/>
+              </a:rPr>
+              <a:t>招生訊息</a:t>
+            </a:r>
+            <a:endParaRPr lang="zh-TW" altLang="en-US" sz="1200" dirty="0">
+              <a:latin typeface="Times New Roman" panose="02020603050405020304" pitchFamily="18" charset="0"/>
+              <a:ea typeface="微軟正黑體" panose="020B0604030504040204" pitchFamily="34" charset="-120"/>
+            </a:endParaRPr>
+          </a:p>
+        </p:txBody>
+      </p:sp>
+      <p:sp>
+        <p:nvSpPr>
+          <p:cNvPr id="11" name="文字方塊 10"/>
+          <p:cNvSpPr txBox="1"/>
+          <p:nvPr/>
+        </p:nvSpPr>
+        <p:spPr>
+          <a:xfrm>
+            <a:off x="7287966" y="625056"/>
+            <a:ext cx="1044740" cy="276999"/>
+          </a:xfrm>
+          <a:prstGeom prst="rect">
+            <a:avLst/>
+          </a:prstGeom>
+          <a:noFill/>
+        </p:spPr>
+        <p:txBody>
+          <a:bodyPr wrap="square" rtlCol="0">
+            <a:spAutoFit/>
+          </a:bodyPr>
+          <a:lstStyle/>
+          <a:p>
+            <a:r>
+              <a:rPr lang="zh-TW" altLang="en-US" sz="1200" dirty="0" smtClean="0">
+                <a:latin typeface="Times New Roman" panose="02020603050405020304" pitchFamily="18" charset="0"/>
+                <a:ea typeface="微軟正黑體" panose="020B0604030504040204" pitchFamily="34" charset="-120"/>
+              </a:rPr>
+              <a:t>台北科大</a:t>
+            </a:r>
+            <a:endParaRPr lang="zh-TW" altLang="en-US" sz="1200" dirty="0">
+              <a:latin typeface="Times New Roman" panose="02020603050405020304" pitchFamily="18" charset="0"/>
+              <a:ea typeface="微軟正黑體" panose="020B0604030504040204" pitchFamily="34" charset="-120"/>
+            </a:endParaRPr>
+          </a:p>
+        </p:txBody>
+      </p:sp>
+      <p:sp>
+        <p:nvSpPr>
+          <p:cNvPr id="13" name="文字方塊 12"/>
+          <p:cNvSpPr txBox="1"/>
+          <p:nvPr/>
+        </p:nvSpPr>
+        <p:spPr>
+          <a:xfrm>
+            <a:off x="5343403" y="616712"/>
+            <a:ext cx="1044740" cy="276999"/>
+          </a:xfrm>
+          <a:prstGeom prst="rect">
+            <a:avLst/>
+          </a:prstGeom>
+          <a:noFill/>
+        </p:spPr>
+        <p:txBody>
+          <a:bodyPr wrap="square" rtlCol="0">
+            <a:spAutoFit/>
+          </a:bodyPr>
+          <a:lstStyle/>
+          <a:p>
+            <a:r>
+              <a:rPr lang="zh-TW" altLang="en-US" sz="1200" dirty="0" smtClean="0">
+                <a:latin typeface="Times New Roman" panose="02020603050405020304" pitchFamily="18" charset="0"/>
+                <a:ea typeface="微軟正黑體" panose="020B0604030504040204" pitchFamily="34" charset="-120"/>
+              </a:rPr>
+              <a:t>研究概況</a:t>
+            </a:r>
+            <a:endParaRPr lang="zh-TW" altLang="en-US" sz="1200" dirty="0">
+              <a:latin typeface="Times New Roman" panose="02020603050405020304" pitchFamily="18" charset="0"/>
+              <a:ea typeface="微軟正黑體" panose="020B0604030504040204" pitchFamily="34" charset="-120"/>
+            </a:endParaRPr>
+          </a:p>
+        </p:txBody>
+      </p:sp>
+      <p:pic>
+        <p:nvPicPr>
+          <p:cNvPr id="15" name="圖片 14"/>
+          <p:cNvPicPr>
+            <a:picLocks noChangeAspect="1"/>
+          </p:cNvPicPr>
+          <p:nvPr/>
+        </p:nvPicPr>
+        <p:blipFill>
+          <a:blip r:embed="rId4"/>
+          <a:stretch>
+            <a:fillRect/>
+          </a:stretch>
+        </p:blipFill>
+        <p:spPr>
+          <a:xfrm>
+            <a:off x="1869527" y="673069"/>
+            <a:ext cx="152400" cy="180975"/>
+          </a:xfrm>
+          <a:prstGeom prst="rect">
+            <a:avLst/>
+          </a:prstGeom>
+        </p:spPr>
+      </p:pic>
+      <p:pic>
+        <p:nvPicPr>
+          <p:cNvPr id="19" name="圖片 18"/>
+          <p:cNvPicPr>
+            <a:picLocks noChangeAspect="1"/>
+          </p:cNvPicPr>
+          <p:nvPr/>
+        </p:nvPicPr>
+        <p:blipFill rotWithShape="1">
+          <a:blip r:embed="rId5">
+            <a:extLst>
+              <a:ext uri="{28A0092B-C50C-407E-A947-70E740481C1C}">
+                <a14:useLocalDpi xmlns:a14="http://schemas.microsoft.com/office/drawing/2010/main" val="0"/>
+              </a:ext>
+            </a:extLst>
+          </a:blip>
+          <a:srcRect l="4167" b="28258"/>
+          <a:stretch/>
+        </p:blipFill>
+        <p:spPr>
+          <a:xfrm>
+            <a:off x="292942" y="1527111"/>
+            <a:ext cx="7619023" cy="3460707"/>
+          </a:xfrm>
+          <a:prstGeom prst="rect">
+            <a:avLst/>
+          </a:prstGeom>
+        </p:spPr>
+      </p:pic>
+      <p:pic>
+        <p:nvPicPr>
+          <p:cNvPr id="16" name="圖片 15"/>
+          <p:cNvPicPr>
+            <a:picLocks noChangeAspect="1"/>
+          </p:cNvPicPr>
+          <p:nvPr/>
+        </p:nvPicPr>
+        <p:blipFill>
+          <a:blip r:embed="rId4"/>
+          <a:stretch>
+            <a:fillRect/>
+          </a:stretch>
+        </p:blipFill>
+        <p:spPr>
+          <a:xfrm>
+            <a:off x="2766238" y="673069"/>
+            <a:ext cx="152400" cy="180975"/>
+          </a:xfrm>
+          <a:prstGeom prst="rect">
+            <a:avLst/>
+          </a:prstGeom>
+        </p:spPr>
+      </p:pic>
+      <p:sp>
+        <p:nvSpPr>
+          <p:cNvPr id="17" name="文字方塊 16"/>
+          <p:cNvSpPr txBox="1"/>
+          <p:nvPr/>
+        </p:nvSpPr>
+        <p:spPr>
+          <a:xfrm>
+            <a:off x="3571302" y="3508679"/>
+            <a:ext cx="1357590" cy="400110"/>
+          </a:xfrm>
+          <a:prstGeom prst="rect">
+            <a:avLst/>
+          </a:prstGeom>
+          <a:noFill/>
+        </p:spPr>
+        <p:txBody>
+          <a:bodyPr wrap="square" rtlCol="0">
+            <a:spAutoFit/>
+          </a:bodyPr>
+          <a:lstStyle/>
+          <a:p>
+            <a:r>
+              <a:rPr lang="zh-TW" altLang="en-US" sz="2000" b="1" dirty="0" smtClean="0">
+                <a:solidFill>
+                  <a:schemeClr val="bg1"/>
+                </a:solidFill>
+                <a:effectLst>
+                  <a:outerShdw blurRad="50800" dist="38100" dir="2700000" algn="tl" rotWithShape="0">
+                    <a:prstClr val="black">
+                      <a:alpha val="40000"/>
+                    </a:prstClr>
+                  </a:outerShdw>
+                </a:effectLst>
+                <a:latin typeface="Times New Roman" panose="02020603050405020304" pitchFamily="18" charset="0"/>
+                <a:ea typeface="微軟正黑體" panose="020B0604030504040204" pitchFamily="34" charset="-120"/>
+              </a:rPr>
+              <a:t>爆肝人生</a:t>
+            </a:r>
+            <a:endParaRPr lang="zh-TW" altLang="en-US" sz="2000" b="1" dirty="0">
+              <a:solidFill>
+                <a:schemeClr val="bg1"/>
+              </a:solidFill>
+              <a:effectLst>
+                <a:outerShdw blurRad="50800" dist="38100" dir="2700000" algn="tl" rotWithShape="0">
+                  <a:prstClr val="black">
+                    <a:alpha val="40000"/>
+                  </a:prstClr>
+                </a:outerShdw>
+              </a:effectLst>
+              <a:latin typeface="Times New Roman" panose="02020603050405020304" pitchFamily="18" charset="0"/>
+              <a:ea typeface="微軟正黑體" panose="020B0604030504040204" pitchFamily="34" charset="-120"/>
+            </a:endParaRPr>
+          </a:p>
+        </p:txBody>
+      </p:sp>
+      <p:sp>
+        <p:nvSpPr>
+          <p:cNvPr id="18" name="文字方塊 17"/>
+          <p:cNvSpPr txBox="1"/>
+          <p:nvPr/>
+        </p:nvSpPr>
+        <p:spPr>
+          <a:xfrm>
+            <a:off x="2576102" y="3925083"/>
+            <a:ext cx="3706796" cy="338554"/>
+          </a:xfrm>
+          <a:prstGeom prst="rect">
+            <a:avLst/>
+          </a:prstGeom>
+          <a:noFill/>
+        </p:spPr>
+        <p:txBody>
+          <a:bodyPr wrap="square" rtlCol="0">
+            <a:spAutoFit/>
+          </a:bodyPr>
+          <a:lstStyle/>
+          <a:p>
+            <a:r>
+              <a:rPr lang="zh-TW" altLang="en-US" sz="1600" dirty="0" smtClean="0">
+                <a:solidFill>
+                  <a:schemeClr val="bg1"/>
+                </a:solidFill>
+                <a:effectLst>
+                  <a:outerShdw blurRad="50800" dist="38100" dir="2700000" algn="tl" rotWithShape="0">
+                    <a:prstClr val="black">
+                      <a:alpha val="40000"/>
+                    </a:prstClr>
+                  </a:outerShdw>
+                </a:effectLst>
+                <a:latin typeface="Times New Roman" panose="02020603050405020304" pitchFamily="18" charset="0"/>
+                <a:ea typeface="微軟正黑體" panose="020B0604030504040204" pitchFamily="34" charset="-120"/>
+              </a:rPr>
+              <a:t>北科資工系邀請您一同共襄盛舉</a:t>
+            </a:r>
+            <a:endParaRPr lang="zh-TW" altLang="en-US" sz="1600" dirty="0">
+              <a:solidFill>
+                <a:schemeClr val="bg1"/>
+              </a:solidFill>
+              <a:effectLst>
+                <a:outerShdw blurRad="50800" dist="38100" dir="2700000" algn="tl" rotWithShape="0">
+                  <a:prstClr val="black">
+                    <a:alpha val="40000"/>
+                  </a:prstClr>
+                </a:outerShdw>
+              </a:effectLst>
+              <a:latin typeface="Times New Roman" panose="02020603050405020304" pitchFamily="18" charset="0"/>
+              <a:ea typeface="微軟正黑體" panose="020B0604030504040204" pitchFamily="34" charset="-120"/>
+            </a:endParaRPr>
+          </a:p>
+        </p:txBody>
+      </p:sp>
+      <p:sp>
+        <p:nvSpPr>
+          <p:cNvPr id="21" name="橢圓 20"/>
+          <p:cNvSpPr/>
+          <p:nvPr/>
+        </p:nvSpPr>
+        <p:spPr>
+          <a:xfrm>
+            <a:off x="3901444" y="4596193"/>
+            <a:ext cx="104527" cy="104527"/>
+          </a:xfrm>
+          <a:prstGeom prst="ellipse">
+            <a:avLst/>
+          </a:prstGeom>
+          <a:solidFill>
+            <a:schemeClr val="bg1"/>
+          </a:solidFill>
+          <a:ln>
+            <a:solidFill>
+              <a:schemeClr val="bg1"/>
+            </a:solidFill>
+          </a:ln>
+        </p:spPr>
+        <p:style>
+          <a:lnRef idx="2">
+            <a:schemeClr val="accent1">
+              <a:shade val="50000"/>
+            </a:schemeClr>
+          </a:lnRef>
+          <a:fillRef idx="1">
+            <a:schemeClr val="accent1"/>
+          </a:fillRef>
+          <a:effectRef idx="0">
+            <a:schemeClr val="accent1"/>
+          </a:effectRef>
+          <a:fontRef idx="minor">
+            <a:schemeClr val="lt1"/>
+          </a:fontRef>
+        </p:style>
+        <p:txBody>
+          <a:bodyPr rtlCol="0" anchor="ctr"/>
+          <a:lstStyle/>
+          <a:p>
+            <a:pPr algn="ctr"/>
+            <a:endParaRPr lang="zh-TW" altLang="en-US">
+              <a:latin typeface="Times New Roman" panose="02020603050405020304" pitchFamily="18" charset="0"/>
+              <a:ea typeface="微軟正黑體" panose="020B0604030504040204" pitchFamily="34" charset="-120"/>
+            </a:endParaRPr>
+          </a:p>
+        </p:txBody>
+      </p:sp>
+      <p:sp>
+        <p:nvSpPr>
+          <p:cNvPr id="22" name="橢圓 21"/>
+          <p:cNvSpPr/>
+          <p:nvPr/>
+        </p:nvSpPr>
+        <p:spPr>
+          <a:xfrm>
+            <a:off x="4081755" y="4596193"/>
+            <a:ext cx="104527" cy="104527"/>
+          </a:xfrm>
+          <a:prstGeom prst="ellipse">
+            <a:avLst/>
+          </a:prstGeom>
+          <a:noFill/>
+          <a:ln w="6350">
+            <a:solidFill>
+              <a:schemeClr val="bg1"/>
+            </a:solidFill>
+          </a:ln>
+        </p:spPr>
+        <p:style>
+          <a:lnRef idx="2">
+            <a:schemeClr val="accent1">
+              <a:shade val="50000"/>
+            </a:schemeClr>
+          </a:lnRef>
+          <a:fillRef idx="1">
+            <a:schemeClr val="accent1"/>
+          </a:fillRef>
+          <a:effectRef idx="0">
+            <a:schemeClr val="accent1"/>
+          </a:effectRef>
+          <a:fontRef idx="minor">
+            <a:schemeClr val="lt1"/>
+          </a:fontRef>
+        </p:style>
+        <p:txBody>
+          <a:bodyPr rtlCol="0" anchor="ctr"/>
+          <a:lstStyle/>
+          <a:p>
+            <a:pPr algn="ctr"/>
+            <a:endParaRPr lang="zh-TW" altLang="en-US">
+              <a:latin typeface="Times New Roman" panose="02020603050405020304" pitchFamily="18" charset="0"/>
+              <a:ea typeface="微軟正黑體" panose="020B0604030504040204" pitchFamily="34" charset="-120"/>
+            </a:endParaRPr>
+          </a:p>
+        </p:txBody>
+      </p:sp>
+      <p:sp>
+        <p:nvSpPr>
+          <p:cNvPr id="23" name="橢圓 22"/>
+          <p:cNvSpPr/>
+          <p:nvPr/>
+        </p:nvSpPr>
+        <p:spPr>
+          <a:xfrm>
+            <a:off x="4262066" y="4596193"/>
+            <a:ext cx="104527" cy="104527"/>
+          </a:xfrm>
+          <a:prstGeom prst="ellipse">
+            <a:avLst/>
+          </a:prstGeom>
+          <a:noFill/>
+          <a:ln w="6350">
+            <a:solidFill>
+              <a:schemeClr val="bg1"/>
+            </a:solidFill>
+          </a:ln>
+        </p:spPr>
+        <p:style>
+          <a:lnRef idx="2">
+            <a:schemeClr val="accent1">
+              <a:shade val="50000"/>
+            </a:schemeClr>
+          </a:lnRef>
+          <a:fillRef idx="1">
+            <a:schemeClr val="accent1"/>
+          </a:fillRef>
+          <a:effectRef idx="0">
+            <a:schemeClr val="accent1"/>
+          </a:effectRef>
+          <a:fontRef idx="minor">
+            <a:schemeClr val="lt1"/>
+          </a:fontRef>
+        </p:style>
+        <p:txBody>
+          <a:bodyPr rtlCol="0" anchor="ctr"/>
+          <a:lstStyle/>
+          <a:p>
+            <a:pPr algn="ctr"/>
+            <a:endParaRPr lang="zh-TW" altLang="en-US">
+              <a:latin typeface="Times New Roman" panose="02020603050405020304" pitchFamily="18" charset="0"/>
+              <a:ea typeface="微軟正黑體" panose="020B0604030504040204" pitchFamily="34" charset="-120"/>
+            </a:endParaRPr>
+          </a:p>
+        </p:txBody>
+      </p:sp>
+      <p:sp>
+        <p:nvSpPr>
+          <p:cNvPr id="24" name="文字方塊 23"/>
+          <p:cNvSpPr txBox="1"/>
+          <p:nvPr/>
+        </p:nvSpPr>
+        <p:spPr>
+          <a:xfrm>
+            <a:off x="3424022" y="5126340"/>
+            <a:ext cx="1993587" cy="461665"/>
+          </a:xfrm>
+          <a:prstGeom prst="rect">
+            <a:avLst/>
+          </a:prstGeom>
+          <a:noFill/>
+        </p:spPr>
+        <p:txBody>
+          <a:bodyPr wrap="square" rtlCol="0">
+            <a:spAutoFit/>
+          </a:bodyPr>
+          <a:lstStyle/>
+          <a:p>
+            <a:r>
+              <a:rPr lang="zh-TW" altLang="en-US" sz="2400" dirty="0" smtClean="0">
+                <a:latin typeface="Times New Roman" panose="02020603050405020304" pitchFamily="18" charset="0"/>
+                <a:ea typeface="微軟正黑體" panose="020B0604030504040204" pitchFamily="34" charset="-120"/>
+              </a:rPr>
+              <a:t>最新公告</a:t>
+            </a:r>
+            <a:endParaRPr lang="zh-TW" altLang="en-US" sz="2400" dirty="0">
+              <a:latin typeface="Times New Roman" panose="02020603050405020304" pitchFamily="18" charset="0"/>
+              <a:ea typeface="微軟正黑體" panose="020B0604030504040204" pitchFamily="34" charset="-120"/>
+            </a:endParaRPr>
+          </a:p>
+        </p:txBody>
+      </p:sp>
+      <p:grpSp>
+        <p:nvGrpSpPr>
+          <p:cNvPr id="47" name="群組 46"/>
+          <p:cNvGrpSpPr/>
+          <p:nvPr/>
+        </p:nvGrpSpPr>
+        <p:grpSpPr>
+          <a:xfrm>
+            <a:off x="308385" y="5924482"/>
+            <a:ext cx="3593059" cy="2515777"/>
+            <a:chOff x="308385" y="5924482"/>
+            <a:chExt cx="3593059" cy="2515777"/>
+          </a:xfrm>
+        </p:grpSpPr>
+        <p:sp>
+          <p:nvSpPr>
+            <p:cNvPr id="26" name="矩形 25"/>
+            <p:cNvSpPr/>
+            <p:nvPr/>
+          </p:nvSpPr>
+          <p:spPr>
+            <a:xfrm>
+              <a:off x="308385" y="5924482"/>
+              <a:ext cx="3593059" cy="538487"/>
+            </a:xfrm>
+            <a:prstGeom prst="rect">
+              <a:avLst/>
+            </a:prstGeom>
+            <a:solidFill>
+              <a:srgbClr val="53ADE1"/>
+            </a:solidFill>
+          </p:spPr>
+          <p:style>
+            <a:lnRef idx="2">
+              <a:schemeClr val="accent1">
+                <a:shade val="50000"/>
+              </a:schemeClr>
+            </a:lnRef>
+            <a:fillRef idx="1">
+              <a:schemeClr val="accent1"/>
+            </a:fillRef>
+            <a:effectRef idx="0">
+              <a:schemeClr val="accent1"/>
+            </a:effectRef>
+            <a:fontRef idx="minor">
+              <a:schemeClr val="lt1"/>
+            </a:fontRef>
+          </p:style>
+          <p:txBody>
+            <a:bodyPr rtlCol="0" anchor="ctr"/>
+            <a:lstStyle/>
+            <a:p>
+              <a:pPr algn="ctr"/>
+              <a:endParaRPr lang="zh-TW" altLang="en-US">
+                <a:latin typeface="Times New Roman" panose="02020603050405020304" pitchFamily="18" charset="0"/>
+                <a:ea typeface="微軟正黑體" panose="020B0604030504040204" pitchFamily="34" charset="-120"/>
+              </a:endParaRPr>
+            </a:p>
+          </p:txBody>
+        </p:sp>
+        <p:pic>
+          <p:nvPicPr>
+            <p:cNvPr id="25" name="圖片 24"/>
+            <p:cNvPicPr>
+              <a:picLocks noChangeAspect="1"/>
+            </p:cNvPicPr>
+            <p:nvPr/>
+          </p:nvPicPr>
+          <p:blipFill>
+            <a:blip r:embed="rId6">
+              <a:extLst>
+                <a:ext uri="{28A0092B-C50C-407E-A947-70E740481C1C}">
+                  <a14:useLocalDpi xmlns:a14="http://schemas.microsoft.com/office/drawing/2010/main" val="0"/>
+                </a:ext>
+              </a:extLst>
+            </a:blip>
+            <a:stretch>
+              <a:fillRect/>
+            </a:stretch>
+          </p:blipFill>
+          <p:spPr>
+            <a:xfrm>
+              <a:off x="335825" y="6015789"/>
+              <a:ext cx="325148" cy="325148"/>
+            </a:xfrm>
+            <a:prstGeom prst="rect">
+              <a:avLst/>
+            </a:prstGeom>
+          </p:spPr>
+        </p:pic>
+        <p:sp>
+          <p:nvSpPr>
+            <p:cNvPr id="27" name="文字方塊 26"/>
+            <p:cNvSpPr txBox="1"/>
+            <p:nvPr/>
+          </p:nvSpPr>
+          <p:spPr>
+            <a:xfrm>
+              <a:off x="654542" y="6020027"/>
+              <a:ext cx="1993587" cy="338554"/>
+            </a:xfrm>
+            <a:prstGeom prst="rect">
+              <a:avLst/>
+            </a:prstGeom>
+            <a:noFill/>
+          </p:spPr>
+          <p:txBody>
+            <a:bodyPr wrap="square" rtlCol="0">
+              <a:spAutoFit/>
+            </a:bodyPr>
+            <a:lstStyle/>
+            <a:p>
+              <a:r>
+                <a:rPr lang="zh-TW" altLang="en-US" sz="1600" dirty="0" smtClean="0">
+                  <a:solidFill>
+                    <a:schemeClr val="bg1"/>
+                  </a:solidFill>
+                  <a:latin typeface="Times New Roman" panose="02020603050405020304" pitchFamily="18" charset="0"/>
+                  <a:ea typeface="微軟正黑體" panose="020B0604030504040204" pitchFamily="34" charset="-120"/>
+                </a:rPr>
+                <a:t>系</a:t>
+              </a:r>
+              <a:r>
+                <a:rPr lang="zh-TW" altLang="en-US" sz="1600" dirty="0">
+                  <a:solidFill>
+                    <a:schemeClr val="bg1"/>
+                  </a:solidFill>
+                  <a:latin typeface="Times New Roman" panose="02020603050405020304" pitchFamily="18" charset="0"/>
+                  <a:ea typeface="微軟正黑體" panose="020B0604030504040204" pitchFamily="34" charset="-120"/>
+                </a:rPr>
+                <a:t>辦</a:t>
+              </a:r>
+              <a:r>
+                <a:rPr lang="zh-TW" altLang="en-US" sz="1600" dirty="0" smtClean="0">
+                  <a:solidFill>
+                    <a:schemeClr val="bg1"/>
+                  </a:solidFill>
+                  <a:latin typeface="Times New Roman" panose="02020603050405020304" pitchFamily="18" charset="0"/>
+                  <a:ea typeface="微軟正黑體" panose="020B0604030504040204" pitchFamily="34" charset="-120"/>
+                </a:rPr>
+                <a:t>公告</a:t>
+              </a:r>
+              <a:endParaRPr lang="zh-TW" altLang="en-US" sz="1600" dirty="0">
+                <a:solidFill>
+                  <a:schemeClr val="bg1"/>
+                </a:solidFill>
+                <a:latin typeface="Times New Roman" panose="02020603050405020304" pitchFamily="18" charset="0"/>
+                <a:ea typeface="微軟正黑體" panose="020B0604030504040204" pitchFamily="34" charset="-120"/>
+              </a:endParaRPr>
+            </a:p>
+          </p:txBody>
+        </p:sp>
+        <p:grpSp>
+          <p:nvGrpSpPr>
+            <p:cNvPr id="36" name="群組 35"/>
+            <p:cNvGrpSpPr/>
+            <p:nvPr/>
+          </p:nvGrpSpPr>
+          <p:grpSpPr>
+            <a:xfrm>
+              <a:off x="344201" y="6645790"/>
+              <a:ext cx="3557243" cy="523220"/>
+              <a:chOff x="344201" y="6645790"/>
+              <a:chExt cx="3557243" cy="523220"/>
+            </a:xfrm>
+          </p:grpSpPr>
+          <p:pic>
+            <p:nvPicPr>
+              <p:cNvPr id="34" name="圖片 33"/>
+              <p:cNvPicPr>
+                <a:picLocks noChangeAspect="1"/>
+              </p:cNvPicPr>
+              <p:nvPr/>
+            </p:nvPicPr>
+            <p:blipFill>
+              <a:blip r:embed="rId7"/>
+              <a:stretch>
+                <a:fillRect/>
+              </a:stretch>
+            </p:blipFill>
+            <p:spPr>
+              <a:xfrm>
+                <a:off x="344201" y="6695834"/>
+                <a:ext cx="133516" cy="207691"/>
+              </a:xfrm>
+              <a:prstGeom prst="rect">
+                <a:avLst/>
+              </a:prstGeom>
+            </p:spPr>
+          </p:pic>
+          <p:sp>
+            <p:nvSpPr>
+              <p:cNvPr id="35" name="文字方塊 34"/>
+              <p:cNvSpPr txBox="1"/>
+              <p:nvPr/>
+            </p:nvSpPr>
+            <p:spPr>
+              <a:xfrm>
+                <a:off x="408426" y="6645790"/>
+                <a:ext cx="3493018" cy="523220"/>
+              </a:xfrm>
+              <a:prstGeom prst="rect">
+                <a:avLst/>
+              </a:prstGeom>
+              <a:noFill/>
+            </p:spPr>
+            <p:txBody>
+              <a:bodyPr wrap="square" rtlCol="0">
+                <a:spAutoFit/>
+              </a:bodyPr>
+              <a:lstStyle/>
+              <a:p>
+                <a:r>
+                  <a:rPr lang="zh-TW" altLang="en-US" sz="1400" dirty="0" smtClean="0">
+                    <a:latin typeface="Times New Roman" panose="02020603050405020304" pitchFamily="18" charset="0"/>
+                    <a:ea typeface="微軟正黑體" panose="020B0604030504040204" pitchFamily="34" charset="-120"/>
+                  </a:rPr>
+                  <a:t>校外實習職缺公告</a:t>
+                </a:r>
+                <a:r>
+                  <a:rPr lang="en-US" altLang="zh-TW" sz="1400" dirty="0" smtClean="0">
+                    <a:latin typeface="Times New Roman" panose="02020603050405020304" pitchFamily="18" charset="0"/>
+                    <a:ea typeface="微軟正黑體" panose="020B0604030504040204" pitchFamily="34" charset="-120"/>
+                  </a:rPr>
+                  <a:t>(</a:t>
+                </a:r>
+                <a:r>
+                  <a:rPr lang="zh-TW" altLang="en-US" sz="1400" dirty="0" smtClean="0">
+                    <a:latin typeface="Times New Roman" panose="02020603050405020304" pitchFamily="18" charset="0"/>
+                    <a:ea typeface="微軟正黑體" panose="020B0604030504040204" pitchFamily="34" charset="-120"/>
+                  </a:rPr>
+                  <a:t>英屬維京群島商祥茂光電科技股份有限公司</a:t>
+                </a:r>
+                <a:r>
+                  <a:rPr lang="en-US" altLang="zh-TW" sz="1400" dirty="0" smtClean="0">
+                    <a:latin typeface="Times New Roman" panose="02020603050405020304" pitchFamily="18" charset="0"/>
+                    <a:ea typeface="微軟正黑體" panose="020B0604030504040204" pitchFamily="34" charset="-120"/>
+                  </a:rPr>
+                  <a:t>)</a:t>
+                </a:r>
+                <a:endParaRPr lang="zh-TW" altLang="en-US" sz="1400" dirty="0">
+                  <a:latin typeface="Times New Roman" panose="02020603050405020304" pitchFamily="18" charset="0"/>
+                  <a:ea typeface="微軟正黑體" panose="020B0604030504040204" pitchFamily="34" charset="-120"/>
+                </a:endParaRPr>
+              </a:p>
+            </p:txBody>
+          </p:sp>
+        </p:grpSp>
+        <p:grpSp>
+          <p:nvGrpSpPr>
+            <p:cNvPr id="37" name="群組 36"/>
+            <p:cNvGrpSpPr/>
+            <p:nvPr/>
+          </p:nvGrpSpPr>
+          <p:grpSpPr>
+            <a:xfrm>
+              <a:off x="335825" y="7307532"/>
+              <a:ext cx="3557243" cy="523220"/>
+              <a:chOff x="344201" y="6645790"/>
+              <a:chExt cx="3557243" cy="523220"/>
+            </a:xfrm>
+          </p:grpSpPr>
+          <p:pic>
+            <p:nvPicPr>
+              <p:cNvPr id="38" name="圖片 37"/>
+              <p:cNvPicPr>
+                <a:picLocks noChangeAspect="1"/>
+              </p:cNvPicPr>
+              <p:nvPr/>
+            </p:nvPicPr>
+            <p:blipFill>
+              <a:blip r:embed="rId7"/>
+              <a:stretch>
+                <a:fillRect/>
+              </a:stretch>
+            </p:blipFill>
+            <p:spPr>
+              <a:xfrm>
+                <a:off x="344201" y="6695834"/>
+                <a:ext cx="133516" cy="207691"/>
+              </a:xfrm>
+              <a:prstGeom prst="rect">
+                <a:avLst/>
+              </a:prstGeom>
+            </p:spPr>
+          </p:pic>
+          <p:sp>
+            <p:nvSpPr>
+              <p:cNvPr id="39" name="文字方塊 38"/>
+              <p:cNvSpPr txBox="1"/>
+              <p:nvPr/>
+            </p:nvSpPr>
+            <p:spPr>
+              <a:xfrm>
+                <a:off x="408426" y="6645790"/>
+                <a:ext cx="3493018" cy="523220"/>
+              </a:xfrm>
+              <a:prstGeom prst="rect">
+                <a:avLst/>
+              </a:prstGeom>
+              <a:noFill/>
+            </p:spPr>
+            <p:txBody>
+              <a:bodyPr wrap="square" rtlCol="0">
+                <a:spAutoFit/>
+              </a:bodyPr>
+              <a:lstStyle/>
+              <a:p>
+                <a:r>
+                  <a:rPr lang="zh-TW" altLang="en-US" sz="1400" dirty="0" smtClean="0">
+                    <a:latin typeface="Times New Roman" panose="02020603050405020304" pitchFamily="18" charset="0"/>
+                    <a:ea typeface="微軟正黑體" panose="020B0604030504040204" pitchFamily="34" charset="-120"/>
+                  </a:rPr>
+                  <a:t>校外實習職缺公告</a:t>
+                </a:r>
+                <a:r>
+                  <a:rPr lang="en-US" altLang="zh-TW" sz="1400" dirty="0" smtClean="0">
+                    <a:latin typeface="Times New Roman" panose="02020603050405020304" pitchFamily="18" charset="0"/>
+                    <a:ea typeface="微軟正黑體" panose="020B0604030504040204" pitchFamily="34" charset="-120"/>
+                  </a:rPr>
+                  <a:t>(106</a:t>
+                </a:r>
+                <a:r>
+                  <a:rPr lang="zh-TW" altLang="en-US" sz="1400" dirty="0" smtClean="0">
+                    <a:latin typeface="Times New Roman" panose="02020603050405020304" pitchFamily="18" charset="0"/>
+                    <a:ea typeface="微軟正黑體" panose="020B0604030504040204" pitchFamily="34" charset="-120"/>
+                  </a:rPr>
+                  <a:t>暑期台達電校外實習工讀計畫</a:t>
+                </a:r>
+                <a:r>
+                  <a:rPr lang="en-US" altLang="zh-TW" sz="1400" dirty="0" smtClean="0">
+                    <a:latin typeface="Times New Roman" panose="02020603050405020304" pitchFamily="18" charset="0"/>
+                    <a:ea typeface="微軟正黑體" panose="020B0604030504040204" pitchFamily="34" charset="-120"/>
+                  </a:rPr>
+                  <a:t>)</a:t>
+                </a:r>
+                <a:endParaRPr lang="zh-TW" altLang="en-US" sz="1400" dirty="0">
+                  <a:latin typeface="Times New Roman" panose="02020603050405020304" pitchFamily="18" charset="0"/>
+                  <a:ea typeface="微軟正黑體" panose="020B0604030504040204" pitchFamily="34" charset="-120"/>
+                </a:endParaRPr>
+              </a:p>
+            </p:txBody>
+          </p:sp>
+        </p:grpSp>
+        <p:grpSp>
+          <p:nvGrpSpPr>
+            <p:cNvPr id="40" name="群組 39"/>
+            <p:cNvGrpSpPr/>
+            <p:nvPr/>
+          </p:nvGrpSpPr>
+          <p:grpSpPr>
+            <a:xfrm>
+              <a:off x="344201" y="7895834"/>
+              <a:ext cx="3557243" cy="307777"/>
+              <a:chOff x="344201" y="6645790"/>
+              <a:chExt cx="3557243" cy="307777"/>
+            </a:xfrm>
+          </p:grpSpPr>
+          <p:pic>
+            <p:nvPicPr>
+              <p:cNvPr id="41" name="圖片 40"/>
+              <p:cNvPicPr>
+                <a:picLocks noChangeAspect="1"/>
+              </p:cNvPicPr>
+              <p:nvPr/>
+            </p:nvPicPr>
+            <p:blipFill>
+              <a:blip r:embed="rId7"/>
+              <a:stretch>
+                <a:fillRect/>
+              </a:stretch>
+            </p:blipFill>
+            <p:spPr>
+              <a:xfrm>
+                <a:off x="344201" y="6695834"/>
+                <a:ext cx="133516" cy="207691"/>
+              </a:xfrm>
+              <a:prstGeom prst="rect">
+                <a:avLst/>
+              </a:prstGeom>
+            </p:spPr>
+          </p:pic>
+          <p:sp>
+            <p:nvSpPr>
+              <p:cNvPr id="42" name="文字方塊 41"/>
+              <p:cNvSpPr txBox="1"/>
+              <p:nvPr/>
+            </p:nvSpPr>
+            <p:spPr>
+              <a:xfrm>
+                <a:off x="408426" y="6645790"/>
+                <a:ext cx="3493018" cy="307777"/>
+              </a:xfrm>
+              <a:prstGeom prst="rect">
+                <a:avLst/>
+              </a:prstGeom>
+              <a:noFill/>
+            </p:spPr>
+            <p:txBody>
+              <a:bodyPr wrap="square" rtlCol="0">
+                <a:spAutoFit/>
+              </a:bodyPr>
+              <a:lstStyle/>
+              <a:p>
+                <a:r>
+                  <a:rPr lang="en-US" altLang="zh-TW" sz="1400" dirty="0" smtClean="0">
+                    <a:latin typeface="Times New Roman" panose="02020603050405020304" pitchFamily="18" charset="0"/>
+                    <a:ea typeface="微軟正黑體" panose="020B0604030504040204" pitchFamily="34" charset="-120"/>
+                  </a:rPr>
+                  <a:t>105-2</a:t>
+                </a:r>
+                <a:r>
+                  <a:rPr lang="zh-TW" altLang="en-US" sz="1400" dirty="0" smtClean="0">
+                    <a:latin typeface="Times New Roman" panose="02020603050405020304" pitchFamily="18" charset="0"/>
+                    <a:ea typeface="微軟正黑體" panose="020B0604030504040204" pitchFamily="34" charset="-120"/>
+                  </a:rPr>
+                  <a:t>學期研究生畢業流程</a:t>
+                </a:r>
+                <a:endParaRPr lang="zh-TW" altLang="en-US" sz="1400" dirty="0">
+                  <a:latin typeface="Times New Roman" panose="02020603050405020304" pitchFamily="18" charset="0"/>
+                  <a:ea typeface="微軟正黑體" panose="020B0604030504040204" pitchFamily="34" charset="-120"/>
+                </a:endParaRPr>
+              </a:p>
+            </p:txBody>
+          </p:sp>
+        </p:grpSp>
+        <p:pic>
+          <p:nvPicPr>
+            <p:cNvPr id="46" name="圖片 45"/>
+            <p:cNvPicPr>
+              <a:picLocks noChangeAspect="1"/>
+            </p:cNvPicPr>
+            <p:nvPr/>
+          </p:nvPicPr>
+          <p:blipFill>
+            <a:blip r:embed="rId8"/>
+            <a:stretch>
+              <a:fillRect/>
+            </a:stretch>
+          </p:blipFill>
+          <p:spPr>
+            <a:xfrm>
+              <a:off x="3283229" y="8046095"/>
+              <a:ext cx="609839" cy="394164"/>
+            </a:xfrm>
+            <a:prstGeom prst="rect">
+              <a:avLst/>
+            </a:prstGeom>
+          </p:spPr>
+        </p:pic>
+      </p:grpSp>
+      <p:grpSp>
+        <p:nvGrpSpPr>
+          <p:cNvPr id="133" name="群組 132"/>
+          <p:cNvGrpSpPr/>
+          <p:nvPr/>
+        </p:nvGrpSpPr>
+        <p:grpSpPr>
+          <a:xfrm>
+            <a:off x="4260867" y="5968616"/>
+            <a:ext cx="3593059" cy="2515777"/>
+            <a:chOff x="4134018" y="5942071"/>
+            <a:chExt cx="3593059" cy="2515777"/>
+          </a:xfrm>
+        </p:grpSpPr>
+        <p:sp>
+          <p:nvSpPr>
+            <p:cNvPr id="91" name="矩形 90"/>
+            <p:cNvSpPr/>
+            <p:nvPr/>
+          </p:nvSpPr>
+          <p:spPr>
+            <a:xfrm>
+              <a:off x="4134018" y="5942071"/>
+              <a:ext cx="3593059" cy="538487"/>
+            </a:xfrm>
+            <a:prstGeom prst="rect">
+              <a:avLst/>
+            </a:prstGeom>
+            <a:solidFill>
+              <a:srgbClr val="53ADE1"/>
+            </a:solidFill>
+          </p:spPr>
+          <p:style>
+            <a:lnRef idx="2">
+              <a:schemeClr val="accent1">
+                <a:shade val="50000"/>
+              </a:schemeClr>
+            </a:lnRef>
+            <a:fillRef idx="1">
+              <a:schemeClr val="accent1"/>
+            </a:fillRef>
+            <a:effectRef idx="0">
+              <a:schemeClr val="accent1"/>
+            </a:effectRef>
+            <a:fontRef idx="minor">
+              <a:schemeClr val="lt1"/>
+            </a:fontRef>
+          </p:style>
+          <p:txBody>
+            <a:bodyPr rtlCol="0" anchor="ctr"/>
+            <a:lstStyle/>
+            <a:p>
+              <a:pPr algn="ctr"/>
+              <a:endParaRPr lang="zh-TW" altLang="en-US">
+                <a:latin typeface="Times New Roman" panose="02020603050405020304" pitchFamily="18" charset="0"/>
+                <a:ea typeface="微軟正黑體" panose="020B0604030504040204" pitchFamily="34" charset="-120"/>
+              </a:endParaRPr>
+            </a:p>
+          </p:txBody>
+        </p:sp>
+        <p:sp>
+          <p:nvSpPr>
+            <p:cNvPr id="93" name="文字方塊 92"/>
+            <p:cNvSpPr txBox="1"/>
+            <p:nvPr/>
+          </p:nvSpPr>
+          <p:spPr>
+            <a:xfrm>
+              <a:off x="4480175" y="6037616"/>
+              <a:ext cx="1993587" cy="338554"/>
+            </a:xfrm>
+            <a:prstGeom prst="rect">
+              <a:avLst/>
+            </a:prstGeom>
+            <a:noFill/>
+          </p:spPr>
+          <p:txBody>
+            <a:bodyPr wrap="square" rtlCol="0">
+              <a:spAutoFit/>
+            </a:bodyPr>
+            <a:lstStyle/>
+            <a:p>
+              <a:r>
+                <a:rPr lang="zh-TW" altLang="en-US" sz="1600" dirty="0" smtClean="0">
+                  <a:solidFill>
+                    <a:schemeClr val="bg1"/>
+                  </a:solidFill>
+                  <a:latin typeface="Times New Roman" panose="02020603050405020304" pitchFamily="18" charset="0"/>
+                  <a:ea typeface="微軟正黑體" panose="020B0604030504040204" pitchFamily="34" charset="-120"/>
+                </a:rPr>
+                <a:t>專題演講</a:t>
+              </a:r>
+              <a:endParaRPr lang="zh-TW" altLang="en-US" sz="1600" dirty="0">
+                <a:solidFill>
+                  <a:schemeClr val="bg1"/>
+                </a:solidFill>
+                <a:latin typeface="Times New Roman" panose="02020603050405020304" pitchFamily="18" charset="0"/>
+                <a:ea typeface="微軟正黑體" panose="020B0604030504040204" pitchFamily="34" charset="-120"/>
+              </a:endParaRPr>
+            </a:p>
+          </p:txBody>
+        </p:sp>
+        <p:grpSp>
+          <p:nvGrpSpPr>
+            <p:cNvPr id="94" name="群組 93"/>
+            <p:cNvGrpSpPr/>
+            <p:nvPr/>
+          </p:nvGrpSpPr>
+          <p:grpSpPr>
+            <a:xfrm>
+              <a:off x="4169834" y="6663379"/>
+              <a:ext cx="3557243" cy="523220"/>
+              <a:chOff x="344201" y="6645790"/>
+              <a:chExt cx="3557243" cy="523220"/>
+            </a:xfrm>
+          </p:grpSpPr>
+          <p:pic>
+            <p:nvPicPr>
+              <p:cNvPr id="102" name="圖片 101"/>
+              <p:cNvPicPr>
+                <a:picLocks noChangeAspect="1"/>
+              </p:cNvPicPr>
+              <p:nvPr/>
+            </p:nvPicPr>
+            <p:blipFill>
+              <a:blip r:embed="rId7"/>
+              <a:stretch>
+                <a:fillRect/>
+              </a:stretch>
+            </p:blipFill>
+            <p:spPr>
+              <a:xfrm>
+                <a:off x="344201" y="6695834"/>
+                <a:ext cx="133516" cy="207691"/>
+              </a:xfrm>
+              <a:prstGeom prst="rect">
+                <a:avLst/>
+              </a:prstGeom>
+            </p:spPr>
+          </p:pic>
+          <p:sp>
+            <p:nvSpPr>
+              <p:cNvPr id="103" name="文字方塊 102"/>
+              <p:cNvSpPr txBox="1"/>
+              <p:nvPr/>
+            </p:nvSpPr>
+            <p:spPr>
+              <a:xfrm>
+                <a:off x="408426" y="6645790"/>
+                <a:ext cx="3493018" cy="523220"/>
+              </a:xfrm>
+              <a:prstGeom prst="rect">
+                <a:avLst/>
+              </a:prstGeom>
+              <a:noFill/>
+            </p:spPr>
+            <p:txBody>
+              <a:bodyPr wrap="square" rtlCol="0">
+                <a:spAutoFit/>
+              </a:bodyPr>
+              <a:lstStyle/>
+              <a:p>
+                <a:r>
+                  <a:rPr lang="zh-TW" altLang="en-US" sz="1400" dirty="0" smtClean="0">
+                    <a:latin typeface="Times New Roman" panose="02020603050405020304" pitchFamily="18" charset="0"/>
+                    <a:ea typeface="微軟正黑體" panose="020B0604030504040204" pitchFamily="34" charset="-120"/>
+                  </a:rPr>
+                  <a:t>校外實習職缺公告</a:t>
+                </a:r>
+                <a:r>
+                  <a:rPr lang="en-US" altLang="zh-TW" sz="1400" dirty="0" smtClean="0">
+                    <a:latin typeface="Times New Roman" panose="02020603050405020304" pitchFamily="18" charset="0"/>
+                    <a:ea typeface="微軟正黑體" panose="020B0604030504040204" pitchFamily="34" charset="-120"/>
+                  </a:rPr>
+                  <a:t>(</a:t>
+                </a:r>
+                <a:r>
+                  <a:rPr lang="zh-TW" altLang="en-US" sz="1400" dirty="0" smtClean="0">
+                    <a:latin typeface="Times New Roman" panose="02020603050405020304" pitchFamily="18" charset="0"/>
+                    <a:ea typeface="微軟正黑體" panose="020B0604030504040204" pitchFamily="34" charset="-120"/>
+                  </a:rPr>
+                  <a:t>英屬維京群島商祥茂光電科技股份有限公司</a:t>
+                </a:r>
+                <a:r>
+                  <a:rPr lang="en-US" altLang="zh-TW" sz="1400" dirty="0" smtClean="0">
+                    <a:latin typeface="Times New Roman" panose="02020603050405020304" pitchFamily="18" charset="0"/>
+                    <a:ea typeface="微軟正黑體" panose="020B0604030504040204" pitchFamily="34" charset="-120"/>
+                  </a:rPr>
+                  <a:t>)</a:t>
+                </a:r>
+                <a:endParaRPr lang="zh-TW" altLang="en-US" sz="1400" dirty="0">
+                  <a:latin typeface="Times New Roman" panose="02020603050405020304" pitchFamily="18" charset="0"/>
+                  <a:ea typeface="微軟正黑體" panose="020B0604030504040204" pitchFamily="34" charset="-120"/>
+                </a:endParaRPr>
+              </a:p>
+            </p:txBody>
+          </p:sp>
+        </p:grpSp>
+        <p:grpSp>
+          <p:nvGrpSpPr>
+            <p:cNvPr id="95" name="群組 94"/>
+            <p:cNvGrpSpPr/>
+            <p:nvPr/>
+          </p:nvGrpSpPr>
+          <p:grpSpPr>
+            <a:xfrm>
+              <a:off x="4161458" y="7325121"/>
+              <a:ext cx="3557243" cy="523220"/>
+              <a:chOff x="344201" y="6645790"/>
+              <a:chExt cx="3557243" cy="523220"/>
+            </a:xfrm>
+          </p:grpSpPr>
+          <p:pic>
+            <p:nvPicPr>
+              <p:cNvPr id="100" name="圖片 99"/>
+              <p:cNvPicPr>
+                <a:picLocks noChangeAspect="1"/>
+              </p:cNvPicPr>
+              <p:nvPr/>
+            </p:nvPicPr>
+            <p:blipFill>
+              <a:blip r:embed="rId7"/>
+              <a:stretch>
+                <a:fillRect/>
+              </a:stretch>
+            </p:blipFill>
+            <p:spPr>
+              <a:xfrm>
+                <a:off x="344201" y="6695834"/>
+                <a:ext cx="133516" cy="207691"/>
+              </a:xfrm>
+              <a:prstGeom prst="rect">
+                <a:avLst/>
+              </a:prstGeom>
+            </p:spPr>
+          </p:pic>
+          <p:sp>
+            <p:nvSpPr>
+              <p:cNvPr id="101" name="文字方塊 100"/>
+              <p:cNvSpPr txBox="1"/>
+              <p:nvPr/>
+            </p:nvSpPr>
+            <p:spPr>
+              <a:xfrm>
+                <a:off x="408426" y="6645790"/>
+                <a:ext cx="3493018" cy="523220"/>
+              </a:xfrm>
+              <a:prstGeom prst="rect">
+                <a:avLst/>
+              </a:prstGeom>
+              <a:noFill/>
+            </p:spPr>
+            <p:txBody>
+              <a:bodyPr wrap="square" rtlCol="0">
+                <a:spAutoFit/>
+              </a:bodyPr>
+              <a:lstStyle/>
+              <a:p>
+                <a:r>
+                  <a:rPr lang="zh-TW" altLang="en-US" sz="1400" dirty="0" smtClean="0">
+                    <a:latin typeface="Times New Roman" panose="02020603050405020304" pitchFamily="18" charset="0"/>
+                    <a:ea typeface="微軟正黑體" panose="020B0604030504040204" pitchFamily="34" charset="-120"/>
+                  </a:rPr>
+                  <a:t>校外實習職缺公告</a:t>
+                </a:r>
+                <a:r>
+                  <a:rPr lang="en-US" altLang="zh-TW" sz="1400" dirty="0" smtClean="0">
+                    <a:latin typeface="Times New Roman" panose="02020603050405020304" pitchFamily="18" charset="0"/>
+                    <a:ea typeface="微軟正黑體" panose="020B0604030504040204" pitchFamily="34" charset="-120"/>
+                  </a:rPr>
+                  <a:t>(106</a:t>
+                </a:r>
+                <a:r>
+                  <a:rPr lang="zh-TW" altLang="en-US" sz="1400" dirty="0" smtClean="0">
+                    <a:latin typeface="Times New Roman" panose="02020603050405020304" pitchFamily="18" charset="0"/>
+                    <a:ea typeface="微軟正黑體" panose="020B0604030504040204" pitchFamily="34" charset="-120"/>
+                  </a:rPr>
+                  <a:t>暑期台達電校外實習工讀計畫</a:t>
+                </a:r>
+                <a:r>
+                  <a:rPr lang="en-US" altLang="zh-TW" sz="1400" dirty="0" smtClean="0">
+                    <a:latin typeface="Times New Roman" panose="02020603050405020304" pitchFamily="18" charset="0"/>
+                    <a:ea typeface="微軟正黑體" panose="020B0604030504040204" pitchFamily="34" charset="-120"/>
+                  </a:rPr>
+                  <a:t>)</a:t>
+                </a:r>
+                <a:endParaRPr lang="zh-TW" altLang="en-US" sz="1400" dirty="0">
+                  <a:latin typeface="Times New Roman" panose="02020603050405020304" pitchFamily="18" charset="0"/>
+                  <a:ea typeface="微軟正黑體" panose="020B0604030504040204" pitchFamily="34" charset="-120"/>
+                </a:endParaRPr>
+              </a:p>
+            </p:txBody>
+          </p:sp>
+        </p:grpSp>
+        <p:grpSp>
+          <p:nvGrpSpPr>
+            <p:cNvPr id="96" name="群組 95"/>
+            <p:cNvGrpSpPr/>
+            <p:nvPr/>
+          </p:nvGrpSpPr>
+          <p:grpSpPr>
+            <a:xfrm>
+              <a:off x="4169834" y="7913423"/>
+              <a:ext cx="3557243" cy="307777"/>
+              <a:chOff x="344201" y="6645790"/>
+              <a:chExt cx="3557243" cy="307777"/>
+            </a:xfrm>
+          </p:grpSpPr>
+          <p:pic>
+            <p:nvPicPr>
+              <p:cNvPr id="98" name="圖片 97"/>
+              <p:cNvPicPr>
+                <a:picLocks noChangeAspect="1"/>
+              </p:cNvPicPr>
+              <p:nvPr/>
+            </p:nvPicPr>
+            <p:blipFill>
+              <a:blip r:embed="rId7"/>
+              <a:stretch>
+                <a:fillRect/>
+              </a:stretch>
+            </p:blipFill>
+            <p:spPr>
+              <a:xfrm>
+                <a:off x="344201" y="6695834"/>
+                <a:ext cx="133516" cy="207691"/>
+              </a:xfrm>
+              <a:prstGeom prst="rect">
+                <a:avLst/>
+              </a:prstGeom>
+            </p:spPr>
+          </p:pic>
+          <p:sp>
+            <p:nvSpPr>
+              <p:cNvPr id="99" name="文字方塊 98"/>
+              <p:cNvSpPr txBox="1"/>
+              <p:nvPr/>
+            </p:nvSpPr>
+            <p:spPr>
+              <a:xfrm>
+                <a:off x="408426" y="6645790"/>
+                <a:ext cx="3493018" cy="307777"/>
+              </a:xfrm>
+              <a:prstGeom prst="rect">
+                <a:avLst/>
+              </a:prstGeom>
+              <a:noFill/>
+            </p:spPr>
+            <p:txBody>
+              <a:bodyPr wrap="square" rtlCol="0">
+                <a:spAutoFit/>
+              </a:bodyPr>
+              <a:lstStyle/>
+              <a:p>
+                <a:r>
+                  <a:rPr lang="en-US" altLang="zh-TW" sz="1400" dirty="0" smtClean="0">
+                    <a:latin typeface="Times New Roman" panose="02020603050405020304" pitchFamily="18" charset="0"/>
+                    <a:ea typeface="微軟正黑體" panose="020B0604030504040204" pitchFamily="34" charset="-120"/>
+                  </a:rPr>
+                  <a:t>105-2</a:t>
+                </a:r>
+                <a:r>
+                  <a:rPr lang="zh-TW" altLang="en-US" sz="1400" dirty="0" smtClean="0">
+                    <a:latin typeface="Times New Roman" panose="02020603050405020304" pitchFamily="18" charset="0"/>
+                    <a:ea typeface="微軟正黑體" panose="020B0604030504040204" pitchFamily="34" charset="-120"/>
+                  </a:rPr>
+                  <a:t>學期研究生畢業流程</a:t>
+                </a:r>
+                <a:endParaRPr lang="zh-TW" altLang="en-US" sz="1400" dirty="0">
+                  <a:latin typeface="Times New Roman" panose="02020603050405020304" pitchFamily="18" charset="0"/>
+                  <a:ea typeface="微軟正黑體" panose="020B0604030504040204" pitchFamily="34" charset="-120"/>
+                </a:endParaRPr>
+              </a:p>
+            </p:txBody>
+          </p:sp>
+        </p:grpSp>
+        <p:pic>
+          <p:nvPicPr>
+            <p:cNvPr id="97" name="圖片 96"/>
+            <p:cNvPicPr>
+              <a:picLocks noChangeAspect="1"/>
+            </p:cNvPicPr>
+            <p:nvPr/>
+          </p:nvPicPr>
+          <p:blipFill>
+            <a:blip r:embed="rId8"/>
+            <a:stretch>
+              <a:fillRect/>
+            </a:stretch>
+          </p:blipFill>
+          <p:spPr>
+            <a:xfrm>
+              <a:off x="7108862" y="8063684"/>
+              <a:ext cx="609839" cy="394164"/>
+            </a:xfrm>
+            <a:prstGeom prst="rect">
+              <a:avLst/>
+            </a:prstGeom>
+          </p:spPr>
+        </p:pic>
+        <p:pic>
+          <p:nvPicPr>
+            <p:cNvPr id="132" name="圖片 131"/>
+            <p:cNvPicPr>
+              <a:picLocks noChangeAspect="1"/>
+            </p:cNvPicPr>
+            <p:nvPr/>
+          </p:nvPicPr>
+          <p:blipFill>
+            <a:blip r:embed="rId9">
+              <a:extLst>
+                <a:ext uri="{28A0092B-C50C-407E-A947-70E740481C1C}">
+                  <a14:useLocalDpi xmlns:a14="http://schemas.microsoft.com/office/drawing/2010/main" val="0"/>
+                </a:ext>
+              </a:extLst>
+            </a:blip>
+            <a:stretch>
+              <a:fillRect/>
+            </a:stretch>
+          </p:blipFill>
+          <p:spPr>
+            <a:xfrm>
+              <a:off x="4197274" y="6038242"/>
+              <a:ext cx="325148" cy="325148"/>
+            </a:xfrm>
+            <a:prstGeom prst="rect">
+              <a:avLst/>
+            </a:prstGeom>
+          </p:spPr>
+        </p:pic>
+      </p:grpSp>
+      <p:grpSp>
+        <p:nvGrpSpPr>
+          <p:cNvPr id="137" name="群組 136"/>
+          <p:cNvGrpSpPr/>
+          <p:nvPr/>
+        </p:nvGrpSpPr>
+        <p:grpSpPr>
+          <a:xfrm>
+            <a:off x="4266936" y="8664933"/>
+            <a:ext cx="3593059" cy="2515777"/>
+            <a:chOff x="4161458" y="8659336"/>
+            <a:chExt cx="3593059" cy="2515777"/>
+          </a:xfrm>
+        </p:grpSpPr>
+        <p:sp>
+          <p:nvSpPr>
+            <p:cNvPr id="119" name="矩形 118"/>
+            <p:cNvSpPr/>
+            <p:nvPr/>
+          </p:nvSpPr>
+          <p:spPr>
+            <a:xfrm>
+              <a:off x="4161458" y="8659336"/>
+              <a:ext cx="3593059" cy="538487"/>
+            </a:xfrm>
+            <a:prstGeom prst="rect">
+              <a:avLst/>
+            </a:prstGeom>
+            <a:solidFill>
+              <a:srgbClr val="53ADE1"/>
+            </a:solidFill>
+          </p:spPr>
+          <p:style>
+            <a:lnRef idx="2">
+              <a:schemeClr val="accent1">
+                <a:shade val="50000"/>
+              </a:schemeClr>
+            </a:lnRef>
+            <a:fillRef idx="1">
+              <a:schemeClr val="accent1"/>
+            </a:fillRef>
+            <a:effectRef idx="0">
+              <a:schemeClr val="accent1"/>
+            </a:effectRef>
+            <a:fontRef idx="minor">
+              <a:schemeClr val="lt1"/>
+            </a:fontRef>
+          </p:style>
+          <p:txBody>
+            <a:bodyPr rtlCol="0" anchor="ctr"/>
+            <a:lstStyle/>
+            <a:p>
+              <a:pPr algn="ctr"/>
+              <a:endParaRPr lang="zh-TW" altLang="en-US">
+                <a:latin typeface="Times New Roman" panose="02020603050405020304" pitchFamily="18" charset="0"/>
+                <a:ea typeface="微軟正黑體" panose="020B0604030504040204" pitchFamily="34" charset="-120"/>
+              </a:endParaRPr>
+            </a:p>
+          </p:txBody>
+        </p:sp>
+        <p:sp>
+          <p:nvSpPr>
+            <p:cNvPr id="121" name="文字方塊 120"/>
+            <p:cNvSpPr txBox="1"/>
+            <p:nvPr/>
+          </p:nvSpPr>
+          <p:spPr>
+            <a:xfrm>
+              <a:off x="4507615" y="8754881"/>
+              <a:ext cx="1993587" cy="338554"/>
+            </a:xfrm>
+            <a:prstGeom prst="rect">
+              <a:avLst/>
+            </a:prstGeom>
+            <a:noFill/>
+          </p:spPr>
+          <p:txBody>
+            <a:bodyPr wrap="square" rtlCol="0">
+              <a:spAutoFit/>
+            </a:bodyPr>
+            <a:lstStyle/>
+            <a:p>
+              <a:r>
+                <a:rPr lang="zh-TW" altLang="en-US" sz="1600" dirty="0" smtClean="0">
+                  <a:solidFill>
+                    <a:schemeClr val="bg1"/>
+                  </a:solidFill>
+                  <a:latin typeface="Times New Roman" panose="02020603050405020304" pitchFamily="18" charset="0"/>
+                  <a:ea typeface="微軟正黑體" panose="020B0604030504040204" pitchFamily="34" charset="-120"/>
+                </a:rPr>
+                <a:t>競賽獲獎</a:t>
+              </a:r>
+              <a:endParaRPr lang="zh-TW" altLang="en-US" sz="1600" dirty="0">
+                <a:solidFill>
+                  <a:schemeClr val="bg1"/>
+                </a:solidFill>
+                <a:latin typeface="Times New Roman" panose="02020603050405020304" pitchFamily="18" charset="0"/>
+                <a:ea typeface="微軟正黑體" panose="020B0604030504040204" pitchFamily="34" charset="-120"/>
+              </a:endParaRPr>
+            </a:p>
+          </p:txBody>
+        </p:sp>
+        <p:grpSp>
+          <p:nvGrpSpPr>
+            <p:cNvPr id="122" name="群組 121"/>
+            <p:cNvGrpSpPr/>
+            <p:nvPr/>
+          </p:nvGrpSpPr>
+          <p:grpSpPr>
+            <a:xfrm>
+              <a:off x="4197274" y="9380644"/>
+              <a:ext cx="3557243" cy="523220"/>
+              <a:chOff x="344201" y="6645790"/>
+              <a:chExt cx="3557243" cy="523220"/>
+            </a:xfrm>
+          </p:grpSpPr>
+          <p:pic>
+            <p:nvPicPr>
+              <p:cNvPr id="130" name="圖片 129"/>
+              <p:cNvPicPr>
+                <a:picLocks noChangeAspect="1"/>
+              </p:cNvPicPr>
+              <p:nvPr/>
+            </p:nvPicPr>
+            <p:blipFill>
+              <a:blip r:embed="rId7"/>
+              <a:stretch>
+                <a:fillRect/>
+              </a:stretch>
+            </p:blipFill>
+            <p:spPr>
+              <a:xfrm>
+                <a:off x="344201" y="6695834"/>
+                <a:ext cx="133516" cy="207691"/>
+              </a:xfrm>
+              <a:prstGeom prst="rect">
+                <a:avLst/>
+              </a:prstGeom>
+            </p:spPr>
+          </p:pic>
+          <p:sp>
+            <p:nvSpPr>
+              <p:cNvPr id="131" name="文字方塊 130"/>
+              <p:cNvSpPr txBox="1"/>
+              <p:nvPr/>
+            </p:nvSpPr>
+            <p:spPr>
+              <a:xfrm>
+                <a:off x="408426" y="6645790"/>
+                <a:ext cx="3493018" cy="523220"/>
+              </a:xfrm>
+              <a:prstGeom prst="rect">
+                <a:avLst/>
+              </a:prstGeom>
+              <a:noFill/>
+            </p:spPr>
+            <p:txBody>
+              <a:bodyPr wrap="square" rtlCol="0">
+                <a:spAutoFit/>
+              </a:bodyPr>
+              <a:lstStyle/>
+              <a:p>
+                <a:r>
+                  <a:rPr lang="zh-TW" altLang="en-US" sz="1400" dirty="0" smtClean="0">
+                    <a:latin typeface="Times New Roman" panose="02020603050405020304" pitchFamily="18" charset="0"/>
+                    <a:ea typeface="微軟正黑體" panose="020B0604030504040204" pitchFamily="34" charset="-120"/>
+                  </a:rPr>
+                  <a:t>校外實習職缺公告</a:t>
+                </a:r>
+                <a:r>
+                  <a:rPr lang="en-US" altLang="zh-TW" sz="1400" dirty="0" smtClean="0">
+                    <a:latin typeface="Times New Roman" panose="02020603050405020304" pitchFamily="18" charset="0"/>
+                    <a:ea typeface="微軟正黑體" panose="020B0604030504040204" pitchFamily="34" charset="-120"/>
+                  </a:rPr>
+                  <a:t>(</a:t>
+                </a:r>
+                <a:r>
+                  <a:rPr lang="zh-TW" altLang="en-US" sz="1400" dirty="0" smtClean="0">
+                    <a:latin typeface="Times New Roman" panose="02020603050405020304" pitchFamily="18" charset="0"/>
+                    <a:ea typeface="微軟正黑體" panose="020B0604030504040204" pitchFamily="34" charset="-120"/>
+                  </a:rPr>
+                  <a:t>英屬維京群島商祥茂光電科技股份有限公司</a:t>
+                </a:r>
+                <a:r>
+                  <a:rPr lang="en-US" altLang="zh-TW" sz="1400" dirty="0" smtClean="0">
+                    <a:latin typeface="Times New Roman" panose="02020603050405020304" pitchFamily="18" charset="0"/>
+                    <a:ea typeface="微軟正黑體" panose="020B0604030504040204" pitchFamily="34" charset="-120"/>
+                  </a:rPr>
+                  <a:t>)</a:t>
+                </a:r>
+                <a:endParaRPr lang="zh-TW" altLang="en-US" sz="1400" dirty="0">
+                  <a:latin typeface="Times New Roman" panose="02020603050405020304" pitchFamily="18" charset="0"/>
+                  <a:ea typeface="微軟正黑體" panose="020B0604030504040204" pitchFamily="34" charset="-120"/>
+                </a:endParaRPr>
+              </a:p>
+            </p:txBody>
+          </p:sp>
+        </p:grpSp>
+        <p:grpSp>
+          <p:nvGrpSpPr>
+            <p:cNvPr id="123" name="群組 122"/>
+            <p:cNvGrpSpPr/>
+            <p:nvPr/>
+          </p:nvGrpSpPr>
+          <p:grpSpPr>
+            <a:xfrm>
+              <a:off x="4188898" y="10042386"/>
+              <a:ext cx="3557243" cy="523220"/>
+              <a:chOff x="344201" y="6645790"/>
+              <a:chExt cx="3557243" cy="523220"/>
+            </a:xfrm>
+          </p:grpSpPr>
+          <p:pic>
+            <p:nvPicPr>
+              <p:cNvPr id="128" name="圖片 127"/>
+              <p:cNvPicPr>
+                <a:picLocks noChangeAspect="1"/>
+              </p:cNvPicPr>
+              <p:nvPr/>
+            </p:nvPicPr>
+            <p:blipFill>
+              <a:blip r:embed="rId7"/>
+              <a:stretch>
+                <a:fillRect/>
+              </a:stretch>
+            </p:blipFill>
+            <p:spPr>
+              <a:xfrm>
+                <a:off x="344201" y="6695834"/>
+                <a:ext cx="133516" cy="207691"/>
+              </a:xfrm>
+              <a:prstGeom prst="rect">
+                <a:avLst/>
+              </a:prstGeom>
+            </p:spPr>
+          </p:pic>
+          <p:sp>
+            <p:nvSpPr>
+              <p:cNvPr id="129" name="文字方塊 128"/>
+              <p:cNvSpPr txBox="1"/>
+              <p:nvPr/>
+            </p:nvSpPr>
+            <p:spPr>
+              <a:xfrm>
+                <a:off x="408426" y="6645790"/>
+                <a:ext cx="3493018" cy="523220"/>
+              </a:xfrm>
+              <a:prstGeom prst="rect">
+                <a:avLst/>
+              </a:prstGeom>
+              <a:noFill/>
+            </p:spPr>
+            <p:txBody>
+              <a:bodyPr wrap="square" rtlCol="0">
+                <a:spAutoFit/>
+              </a:bodyPr>
+              <a:lstStyle/>
+              <a:p>
+                <a:r>
+                  <a:rPr lang="zh-TW" altLang="en-US" sz="1400" dirty="0" smtClean="0">
+                    <a:latin typeface="Times New Roman" panose="02020603050405020304" pitchFamily="18" charset="0"/>
+                    <a:ea typeface="微軟正黑體" panose="020B0604030504040204" pitchFamily="34" charset="-120"/>
+                  </a:rPr>
+                  <a:t>校外實習職缺公告</a:t>
+                </a:r>
+                <a:r>
+                  <a:rPr lang="en-US" altLang="zh-TW" sz="1400" dirty="0" smtClean="0">
+                    <a:latin typeface="Times New Roman" panose="02020603050405020304" pitchFamily="18" charset="0"/>
+                    <a:ea typeface="微軟正黑體" panose="020B0604030504040204" pitchFamily="34" charset="-120"/>
+                  </a:rPr>
+                  <a:t>(106</a:t>
+                </a:r>
+                <a:r>
+                  <a:rPr lang="zh-TW" altLang="en-US" sz="1400" dirty="0" smtClean="0">
+                    <a:latin typeface="Times New Roman" panose="02020603050405020304" pitchFamily="18" charset="0"/>
+                    <a:ea typeface="微軟正黑體" panose="020B0604030504040204" pitchFamily="34" charset="-120"/>
+                  </a:rPr>
+                  <a:t>暑期台達電校外實習工讀計畫</a:t>
+                </a:r>
+                <a:r>
+                  <a:rPr lang="en-US" altLang="zh-TW" sz="1400" dirty="0" smtClean="0">
+                    <a:latin typeface="Times New Roman" panose="02020603050405020304" pitchFamily="18" charset="0"/>
+                    <a:ea typeface="微軟正黑體" panose="020B0604030504040204" pitchFamily="34" charset="-120"/>
+                  </a:rPr>
+                  <a:t>)</a:t>
+                </a:r>
+                <a:endParaRPr lang="zh-TW" altLang="en-US" sz="1400" dirty="0">
+                  <a:latin typeface="Times New Roman" panose="02020603050405020304" pitchFamily="18" charset="0"/>
+                  <a:ea typeface="微軟正黑體" panose="020B0604030504040204" pitchFamily="34" charset="-120"/>
+                </a:endParaRPr>
+              </a:p>
+            </p:txBody>
+          </p:sp>
+        </p:grpSp>
+        <p:grpSp>
+          <p:nvGrpSpPr>
+            <p:cNvPr id="124" name="群組 123"/>
+            <p:cNvGrpSpPr/>
+            <p:nvPr/>
+          </p:nvGrpSpPr>
+          <p:grpSpPr>
+            <a:xfrm>
+              <a:off x="4197274" y="10630688"/>
+              <a:ext cx="3557243" cy="307777"/>
+              <a:chOff x="344201" y="6645790"/>
+              <a:chExt cx="3557243" cy="307777"/>
+            </a:xfrm>
+          </p:grpSpPr>
+          <p:pic>
+            <p:nvPicPr>
+              <p:cNvPr id="126" name="圖片 125"/>
+              <p:cNvPicPr>
+                <a:picLocks noChangeAspect="1"/>
+              </p:cNvPicPr>
+              <p:nvPr/>
+            </p:nvPicPr>
+            <p:blipFill>
+              <a:blip r:embed="rId7"/>
+              <a:stretch>
+                <a:fillRect/>
+              </a:stretch>
+            </p:blipFill>
+            <p:spPr>
+              <a:xfrm>
+                <a:off x="344201" y="6695834"/>
+                <a:ext cx="133516" cy="207691"/>
+              </a:xfrm>
+              <a:prstGeom prst="rect">
+                <a:avLst/>
+              </a:prstGeom>
+            </p:spPr>
+          </p:pic>
+          <p:sp>
+            <p:nvSpPr>
+              <p:cNvPr id="127" name="文字方塊 126"/>
+              <p:cNvSpPr txBox="1"/>
+              <p:nvPr/>
+            </p:nvSpPr>
+            <p:spPr>
+              <a:xfrm>
+                <a:off x="408426" y="6645790"/>
+                <a:ext cx="3493018" cy="307777"/>
+              </a:xfrm>
+              <a:prstGeom prst="rect">
+                <a:avLst/>
+              </a:prstGeom>
+              <a:noFill/>
+            </p:spPr>
+            <p:txBody>
+              <a:bodyPr wrap="square" rtlCol="0">
+                <a:spAutoFit/>
+              </a:bodyPr>
+              <a:lstStyle/>
+              <a:p>
+                <a:r>
+                  <a:rPr lang="en-US" altLang="zh-TW" sz="1400" dirty="0" smtClean="0">
+                    <a:latin typeface="Times New Roman" panose="02020603050405020304" pitchFamily="18" charset="0"/>
+                    <a:ea typeface="微軟正黑體" panose="020B0604030504040204" pitchFamily="34" charset="-120"/>
+                  </a:rPr>
+                  <a:t>105-2</a:t>
+                </a:r>
+                <a:r>
+                  <a:rPr lang="zh-TW" altLang="en-US" sz="1400" dirty="0" smtClean="0">
+                    <a:latin typeface="Times New Roman" panose="02020603050405020304" pitchFamily="18" charset="0"/>
+                    <a:ea typeface="微軟正黑體" panose="020B0604030504040204" pitchFamily="34" charset="-120"/>
+                  </a:rPr>
+                  <a:t>學期研究生畢業流程</a:t>
+                </a:r>
+                <a:endParaRPr lang="zh-TW" altLang="en-US" sz="1400" dirty="0">
+                  <a:latin typeface="Times New Roman" panose="02020603050405020304" pitchFamily="18" charset="0"/>
+                  <a:ea typeface="微軟正黑體" panose="020B0604030504040204" pitchFamily="34" charset="-120"/>
+                </a:endParaRPr>
+              </a:p>
+            </p:txBody>
+          </p:sp>
+        </p:grpSp>
+        <p:pic>
+          <p:nvPicPr>
+            <p:cNvPr id="125" name="圖片 124"/>
+            <p:cNvPicPr>
+              <a:picLocks noChangeAspect="1"/>
+            </p:cNvPicPr>
+            <p:nvPr/>
+          </p:nvPicPr>
+          <p:blipFill>
+            <a:blip r:embed="rId8"/>
+            <a:stretch>
+              <a:fillRect/>
+            </a:stretch>
+          </p:blipFill>
+          <p:spPr>
+            <a:xfrm>
+              <a:off x="7136302" y="10780949"/>
+              <a:ext cx="609839" cy="394164"/>
+            </a:xfrm>
+            <a:prstGeom prst="rect">
+              <a:avLst/>
+            </a:prstGeom>
+          </p:spPr>
+        </p:pic>
+        <p:pic>
+          <p:nvPicPr>
+            <p:cNvPr id="136" name="圖片 135"/>
+            <p:cNvPicPr>
+              <a:picLocks noChangeAspect="1"/>
+            </p:cNvPicPr>
+            <p:nvPr/>
+          </p:nvPicPr>
+          <p:blipFill>
+            <a:blip r:embed="rId10">
+              <a:extLst>
+                <a:ext uri="{28A0092B-C50C-407E-A947-70E740481C1C}">
+                  <a14:useLocalDpi xmlns:a14="http://schemas.microsoft.com/office/drawing/2010/main" val="0"/>
+                </a:ext>
+              </a:extLst>
+            </a:blip>
+            <a:stretch>
+              <a:fillRect/>
+            </a:stretch>
+          </p:blipFill>
+          <p:spPr>
+            <a:xfrm>
+              <a:off x="4258242" y="8744954"/>
+              <a:ext cx="325148" cy="325148"/>
+            </a:xfrm>
+            <a:prstGeom prst="rect">
+              <a:avLst/>
+            </a:prstGeom>
+          </p:spPr>
+        </p:pic>
+      </p:grpSp>
+      <p:grpSp>
+        <p:nvGrpSpPr>
+          <p:cNvPr id="135" name="群組 134"/>
+          <p:cNvGrpSpPr/>
+          <p:nvPr/>
+        </p:nvGrpSpPr>
+        <p:grpSpPr>
+          <a:xfrm>
+            <a:off x="312148" y="8658057"/>
+            <a:ext cx="3593059" cy="2515777"/>
+            <a:chOff x="312148" y="8658057"/>
+            <a:chExt cx="3593059" cy="2515777"/>
+          </a:xfrm>
+        </p:grpSpPr>
+        <p:sp>
+          <p:nvSpPr>
+            <p:cNvPr id="105" name="矩形 104"/>
+            <p:cNvSpPr/>
+            <p:nvPr/>
+          </p:nvSpPr>
+          <p:spPr>
+            <a:xfrm>
+              <a:off x="312148" y="8658057"/>
+              <a:ext cx="3593059" cy="538487"/>
+            </a:xfrm>
+            <a:prstGeom prst="rect">
+              <a:avLst/>
+            </a:prstGeom>
+            <a:solidFill>
+              <a:srgbClr val="53ADE1"/>
+            </a:solidFill>
+          </p:spPr>
+          <p:style>
+            <a:lnRef idx="2">
+              <a:schemeClr val="accent1">
+                <a:shade val="50000"/>
+              </a:schemeClr>
+            </a:lnRef>
+            <a:fillRef idx="1">
+              <a:schemeClr val="accent1"/>
+            </a:fillRef>
+            <a:effectRef idx="0">
+              <a:schemeClr val="accent1"/>
+            </a:effectRef>
+            <a:fontRef idx="minor">
+              <a:schemeClr val="lt1"/>
+            </a:fontRef>
+          </p:style>
+          <p:txBody>
+            <a:bodyPr rtlCol="0" anchor="ctr"/>
+            <a:lstStyle/>
+            <a:p>
+              <a:pPr algn="ctr"/>
+              <a:endParaRPr lang="zh-TW" altLang="en-US">
+                <a:latin typeface="Times New Roman" panose="02020603050405020304" pitchFamily="18" charset="0"/>
+                <a:ea typeface="微軟正黑體" panose="020B0604030504040204" pitchFamily="34" charset="-120"/>
+              </a:endParaRPr>
+            </a:p>
+          </p:txBody>
+        </p:sp>
+        <p:sp>
+          <p:nvSpPr>
+            <p:cNvPr id="107" name="文字方塊 106"/>
+            <p:cNvSpPr txBox="1"/>
+            <p:nvPr/>
+          </p:nvSpPr>
+          <p:spPr>
+            <a:xfrm>
+              <a:off x="658305" y="8753602"/>
+              <a:ext cx="1993587" cy="338554"/>
+            </a:xfrm>
+            <a:prstGeom prst="rect">
+              <a:avLst/>
+            </a:prstGeom>
+            <a:noFill/>
+          </p:spPr>
+          <p:txBody>
+            <a:bodyPr wrap="square" rtlCol="0">
+              <a:spAutoFit/>
+            </a:bodyPr>
+            <a:lstStyle/>
+            <a:p>
+              <a:r>
+                <a:rPr lang="zh-TW" altLang="en-US" sz="1600" dirty="0" smtClean="0">
+                  <a:solidFill>
+                    <a:schemeClr val="bg1"/>
+                  </a:solidFill>
+                  <a:latin typeface="Times New Roman" panose="02020603050405020304" pitchFamily="18" charset="0"/>
+                  <a:ea typeface="微軟正黑體" panose="020B0604030504040204" pitchFamily="34" charset="-120"/>
+                </a:rPr>
+                <a:t>招生公告</a:t>
+              </a:r>
+              <a:endParaRPr lang="zh-TW" altLang="en-US" sz="1600" dirty="0">
+                <a:solidFill>
+                  <a:schemeClr val="bg1"/>
+                </a:solidFill>
+                <a:latin typeface="Times New Roman" panose="02020603050405020304" pitchFamily="18" charset="0"/>
+                <a:ea typeface="微軟正黑體" panose="020B0604030504040204" pitchFamily="34" charset="-120"/>
+              </a:endParaRPr>
+            </a:p>
+          </p:txBody>
+        </p:sp>
+        <p:grpSp>
+          <p:nvGrpSpPr>
+            <p:cNvPr id="108" name="群組 107"/>
+            <p:cNvGrpSpPr/>
+            <p:nvPr/>
+          </p:nvGrpSpPr>
+          <p:grpSpPr>
+            <a:xfrm>
+              <a:off x="347964" y="9379365"/>
+              <a:ext cx="3557243" cy="523220"/>
+              <a:chOff x="344201" y="6645790"/>
+              <a:chExt cx="3557243" cy="523220"/>
+            </a:xfrm>
+          </p:grpSpPr>
+          <p:pic>
+            <p:nvPicPr>
+              <p:cNvPr id="116" name="圖片 115"/>
+              <p:cNvPicPr>
+                <a:picLocks noChangeAspect="1"/>
+              </p:cNvPicPr>
+              <p:nvPr/>
+            </p:nvPicPr>
+            <p:blipFill>
+              <a:blip r:embed="rId7"/>
+              <a:stretch>
+                <a:fillRect/>
+              </a:stretch>
+            </p:blipFill>
+            <p:spPr>
+              <a:xfrm>
+                <a:off x="344201" y="6695834"/>
+                <a:ext cx="133516" cy="207691"/>
+              </a:xfrm>
+              <a:prstGeom prst="rect">
+                <a:avLst/>
+              </a:prstGeom>
+            </p:spPr>
+          </p:pic>
+          <p:sp>
+            <p:nvSpPr>
+              <p:cNvPr id="117" name="文字方塊 116"/>
+              <p:cNvSpPr txBox="1"/>
+              <p:nvPr/>
+            </p:nvSpPr>
+            <p:spPr>
+              <a:xfrm>
+                <a:off x="408426" y="6645790"/>
+                <a:ext cx="3493018" cy="523220"/>
+              </a:xfrm>
+              <a:prstGeom prst="rect">
+                <a:avLst/>
+              </a:prstGeom>
+              <a:noFill/>
+            </p:spPr>
+            <p:txBody>
+              <a:bodyPr wrap="square" rtlCol="0">
+                <a:spAutoFit/>
+              </a:bodyPr>
+              <a:lstStyle/>
+              <a:p>
+                <a:r>
+                  <a:rPr lang="zh-TW" altLang="en-US" sz="1400" dirty="0" smtClean="0">
+                    <a:latin typeface="Times New Roman" panose="02020603050405020304" pitchFamily="18" charset="0"/>
+                    <a:ea typeface="微軟正黑體" panose="020B0604030504040204" pitchFamily="34" charset="-120"/>
+                  </a:rPr>
+                  <a:t>校外實習職缺公告</a:t>
+                </a:r>
+                <a:r>
+                  <a:rPr lang="en-US" altLang="zh-TW" sz="1400" dirty="0" smtClean="0">
+                    <a:latin typeface="Times New Roman" panose="02020603050405020304" pitchFamily="18" charset="0"/>
+                    <a:ea typeface="微軟正黑體" panose="020B0604030504040204" pitchFamily="34" charset="-120"/>
+                  </a:rPr>
+                  <a:t>(</a:t>
+                </a:r>
+                <a:r>
+                  <a:rPr lang="zh-TW" altLang="en-US" sz="1400" dirty="0" smtClean="0">
+                    <a:latin typeface="Times New Roman" panose="02020603050405020304" pitchFamily="18" charset="0"/>
+                    <a:ea typeface="微軟正黑體" panose="020B0604030504040204" pitchFamily="34" charset="-120"/>
+                  </a:rPr>
+                  <a:t>英屬維京群島商祥茂光電科技股份有限公司</a:t>
+                </a:r>
+                <a:r>
+                  <a:rPr lang="en-US" altLang="zh-TW" sz="1400" dirty="0" smtClean="0">
+                    <a:latin typeface="Times New Roman" panose="02020603050405020304" pitchFamily="18" charset="0"/>
+                    <a:ea typeface="微軟正黑體" panose="020B0604030504040204" pitchFamily="34" charset="-120"/>
+                  </a:rPr>
+                  <a:t>)</a:t>
+                </a:r>
+                <a:endParaRPr lang="zh-TW" altLang="en-US" sz="1400" dirty="0">
+                  <a:latin typeface="Times New Roman" panose="02020603050405020304" pitchFamily="18" charset="0"/>
+                  <a:ea typeface="微軟正黑體" panose="020B0604030504040204" pitchFamily="34" charset="-120"/>
+                </a:endParaRPr>
+              </a:p>
+            </p:txBody>
+          </p:sp>
+        </p:grpSp>
+        <p:grpSp>
+          <p:nvGrpSpPr>
+            <p:cNvPr id="109" name="群組 108"/>
+            <p:cNvGrpSpPr/>
+            <p:nvPr/>
+          </p:nvGrpSpPr>
+          <p:grpSpPr>
+            <a:xfrm>
+              <a:off x="339588" y="10041107"/>
+              <a:ext cx="3557243" cy="523220"/>
+              <a:chOff x="344201" y="6645790"/>
+              <a:chExt cx="3557243" cy="523220"/>
+            </a:xfrm>
+          </p:grpSpPr>
+          <p:pic>
+            <p:nvPicPr>
+              <p:cNvPr id="114" name="圖片 113"/>
+              <p:cNvPicPr>
+                <a:picLocks noChangeAspect="1"/>
+              </p:cNvPicPr>
+              <p:nvPr/>
+            </p:nvPicPr>
+            <p:blipFill>
+              <a:blip r:embed="rId7"/>
+              <a:stretch>
+                <a:fillRect/>
+              </a:stretch>
+            </p:blipFill>
+            <p:spPr>
+              <a:xfrm>
+                <a:off x="344201" y="6695834"/>
+                <a:ext cx="133516" cy="207691"/>
+              </a:xfrm>
+              <a:prstGeom prst="rect">
+                <a:avLst/>
+              </a:prstGeom>
+            </p:spPr>
+          </p:pic>
+          <p:sp>
+            <p:nvSpPr>
+              <p:cNvPr id="115" name="文字方塊 114"/>
+              <p:cNvSpPr txBox="1"/>
+              <p:nvPr/>
+            </p:nvSpPr>
+            <p:spPr>
+              <a:xfrm>
+                <a:off x="408426" y="6645790"/>
+                <a:ext cx="3493018" cy="523220"/>
+              </a:xfrm>
+              <a:prstGeom prst="rect">
+                <a:avLst/>
+              </a:prstGeom>
+              <a:noFill/>
+            </p:spPr>
+            <p:txBody>
+              <a:bodyPr wrap="square" rtlCol="0">
+                <a:spAutoFit/>
+              </a:bodyPr>
+              <a:lstStyle/>
+              <a:p>
+                <a:r>
+                  <a:rPr lang="zh-TW" altLang="en-US" sz="1400" dirty="0" smtClean="0">
+                    <a:latin typeface="Times New Roman" panose="02020603050405020304" pitchFamily="18" charset="0"/>
+                    <a:ea typeface="微軟正黑體" panose="020B0604030504040204" pitchFamily="34" charset="-120"/>
+                  </a:rPr>
+                  <a:t>校外實習職缺公告</a:t>
+                </a:r>
+                <a:r>
+                  <a:rPr lang="en-US" altLang="zh-TW" sz="1400" dirty="0" smtClean="0">
+                    <a:latin typeface="Times New Roman" panose="02020603050405020304" pitchFamily="18" charset="0"/>
+                    <a:ea typeface="微軟正黑體" panose="020B0604030504040204" pitchFamily="34" charset="-120"/>
+                  </a:rPr>
+                  <a:t>(106</a:t>
+                </a:r>
+                <a:r>
+                  <a:rPr lang="zh-TW" altLang="en-US" sz="1400" dirty="0" smtClean="0">
+                    <a:latin typeface="Times New Roman" panose="02020603050405020304" pitchFamily="18" charset="0"/>
+                    <a:ea typeface="微軟正黑體" panose="020B0604030504040204" pitchFamily="34" charset="-120"/>
+                  </a:rPr>
+                  <a:t>暑期台達電校外實習工讀計畫</a:t>
+                </a:r>
+                <a:r>
+                  <a:rPr lang="en-US" altLang="zh-TW" sz="1400" dirty="0" smtClean="0">
+                    <a:latin typeface="Times New Roman" panose="02020603050405020304" pitchFamily="18" charset="0"/>
+                    <a:ea typeface="微軟正黑體" panose="020B0604030504040204" pitchFamily="34" charset="-120"/>
+                  </a:rPr>
+                  <a:t>)</a:t>
+                </a:r>
+                <a:endParaRPr lang="zh-TW" altLang="en-US" sz="1400" dirty="0">
+                  <a:latin typeface="Times New Roman" panose="02020603050405020304" pitchFamily="18" charset="0"/>
+                  <a:ea typeface="微軟正黑體" panose="020B0604030504040204" pitchFamily="34" charset="-120"/>
+                </a:endParaRPr>
+              </a:p>
+            </p:txBody>
+          </p:sp>
+        </p:grpSp>
+        <p:grpSp>
+          <p:nvGrpSpPr>
+            <p:cNvPr id="110" name="群組 109"/>
+            <p:cNvGrpSpPr/>
+            <p:nvPr/>
+          </p:nvGrpSpPr>
+          <p:grpSpPr>
+            <a:xfrm>
+              <a:off x="347964" y="10629409"/>
+              <a:ext cx="3557243" cy="307777"/>
+              <a:chOff x="344201" y="6645790"/>
+              <a:chExt cx="3557243" cy="307777"/>
+            </a:xfrm>
+          </p:grpSpPr>
+          <p:pic>
+            <p:nvPicPr>
+              <p:cNvPr id="112" name="圖片 111"/>
+              <p:cNvPicPr>
+                <a:picLocks noChangeAspect="1"/>
+              </p:cNvPicPr>
+              <p:nvPr/>
+            </p:nvPicPr>
+            <p:blipFill>
+              <a:blip r:embed="rId7"/>
+              <a:stretch>
+                <a:fillRect/>
+              </a:stretch>
+            </p:blipFill>
+            <p:spPr>
+              <a:xfrm>
+                <a:off x="344201" y="6695834"/>
+                <a:ext cx="133516" cy="207691"/>
+              </a:xfrm>
+              <a:prstGeom prst="rect">
+                <a:avLst/>
+              </a:prstGeom>
+            </p:spPr>
+          </p:pic>
+          <p:sp>
+            <p:nvSpPr>
+              <p:cNvPr id="113" name="文字方塊 112"/>
+              <p:cNvSpPr txBox="1"/>
+              <p:nvPr/>
+            </p:nvSpPr>
+            <p:spPr>
+              <a:xfrm>
+                <a:off x="408426" y="6645790"/>
+                <a:ext cx="3493018" cy="307777"/>
+              </a:xfrm>
+              <a:prstGeom prst="rect">
+                <a:avLst/>
+              </a:prstGeom>
+              <a:noFill/>
+            </p:spPr>
+            <p:txBody>
+              <a:bodyPr wrap="square" rtlCol="0">
+                <a:spAutoFit/>
+              </a:bodyPr>
+              <a:lstStyle/>
+              <a:p>
+                <a:r>
+                  <a:rPr lang="en-US" altLang="zh-TW" sz="1400" dirty="0" smtClean="0">
+                    <a:latin typeface="Times New Roman" panose="02020603050405020304" pitchFamily="18" charset="0"/>
+                    <a:ea typeface="微軟正黑體" panose="020B0604030504040204" pitchFamily="34" charset="-120"/>
+                  </a:rPr>
+                  <a:t>105-2</a:t>
+                </a:r>
+                <a:r>
+                  <a:rPr lang="zh-TW" altLang="en-US" sz="1400" dirty="0" smtClean="0">
+                    <a:latin typeface="Times New Roman" panose="02020603050405020304" pitchFamily="18" charset="0"/>
+                    <a:ea typeface="微軟正黑體" panose="020B0604030504040204" pitchFamily="34" charset="-120"/>
+                  </a:rPr>
+                  <a:t>學期研究生畢業流程</a:t>
+                </a:r>
+                <a:endParaRPr lang="zh-TW" altLang="en-US" sz="1400" dirty="0">
+                  <a:latin typeface="Times New Roman" panose="02020603050405020304" pitchFamily="18" charset="0"/>
+                  <a:ea typeface="微軟正黑體" panose="020B0604030504040204" pitchFamily="34" charset="-120"/>
+                </a:endParaRPr>
+              </a:p>
+            </p:txBody>
+          </p:sp>
+        </p:grpSp>
+        <p:pic>
+          <p:nvPicPr>
+            <p:cNvPr id="111" name="圖片 110"/>
+            <p:cNvPicPr>
+              <a:picLocks noChangeAspect="1"/>
+            </p:cNvPicPr>
+            <p:nvPr/>
+          </p:nvPicPr>
+          <p:blipFill>
+            <a:blip r:embed="rId8"/>
+            <a:stretch>
+              <a:fillRect/>
+            </a:stretch>
+          </p:blipFill>
+          <p:spPr>
+            <a:xfrm>
+              <a:off x="3286992" y="10779670"/>
+              <a:ext cx="609839" cy="394164"/>
+            </a:xfrm>
+            <a:prstGeom prst="rect">
+              <a:avLst/>
+            </a:prstGeom>
+          </p:spPr>
+        </p:pic>
+        <p:pic>
+          <p:nvPicPr>
+            <p:cNvPr id="134" name="圖片 133"/>
+            <p:cNvPicPr>
+              <a:picLocks noChangeAspect="1"/>
+            </p:cNvPicPr>
+            <p:nvPr/>
+          </p:nvPicPr>
+          <p:blipFill>
+            <a:blip r:embed="rId11">
+              <a:extLst>
+                <a:ext uri="{28A0092B-C50C-407E-A947-70E740481C1C}">
+                  <a14:useLocalDpi xmlns:a14="http://schemas.microsoft.com/office/drawing/2010/main" val="0"/>
+                </a:ext>
+              </a:extLst>
+            </a:blip>
+            <a:stretch>
+              <a:fillRect/>
+            </a:stretch>
+          </p:blipFill>
+          <p:spPr>
+            <a:xfrm>
+              <a:off x="344201" y="8780490"/>
+              <a:ext cx="325148" cy="325148"/>
+            </a:xfrm>
+            <a:prstGeom prst="rect">
+              <a:avLst/>
+            </a:prstGeom>
+          </p:spPr>
+        </p:pic>
+      </p:grpSp>
+      <p:sp>
+        <p:nvSpPr>
+          <p:cNvPr id="141" name="矩形 140"/>
+          <p:cNvSpPr/>
+          <p:nvPr/>
+        </p:nvSpPr>
+        <p:spPr>
+          <a:xfrm>
+            <a:off x="21001" y="11475127"/>
+            <a:ext cx="8202674" cy="2212563"/>
+          </a:xfrm>
+          <a:prstGeom prst="rect">
+            <a:avLst/>
+          </a:prstGeom>
+          <a:solidFill>
+            <a:srgbClr val="57B8E6"/>
+          </a:solidFill>
+          <a:ln w="19050">
+            <a:solidFill>
+              <a:schemeClr val="tx1"/>
+            </a:solidFill>
+          </a:ln>
+        </p:spPr>
+        <p:style>
+          <a:lnRef idx="2">
+            <a:schemeClr val="accent1">
+              <a:shade val="50000"/>
+            </a:schemeClr>
+          </a:lnRef>
+          <a:fillRef idx="1">
+            <a:schemeClr val="accent1"/>
+          </a:fillRef>
+          <a:effectRef idx="0">
+            <a:schemeClr val="accent1"/>
+          </a:effectRef>
+          <a:fontRef idx="minor">
+            <a:schemeClr val="lt1"/>
+          </a:fontRef>
+        </p:style>
+        <p:txBody>
+          <a:bodyPr rtlCol="0" anchor="ctr"/>
+          <a:lstStyle/>
+          <a:p>
+            <a:pPr algn="ctr"/>
+            <a:endParaRPr lang="zh-TW" altLang="en-US" dirty="0">
+              <a:latin typeface="Times New Roman" panose="02020603050405020304" pitchFamily="18" charset="0"/>
+              <a:ea typeface="微軟正黑體" panose="020B0604030504040204" pitchFamily="34" charset="-120"/>
+            </a:endParaRPr>
+          </a:p>
+        </p:txBody>
+      </p:sp>
+      <p:sp>
+        <p:nvSpPr>
+          <p:cNvPr id="140" name="文字方塊 139"/>
+          <p:cNvSpPr txBox="1"/>
+          <p:nvPr/>
+        </p:nvSpPr>
+        <p:spPr>
+          <a:xfrm>
+            <a:off x="2558998" y="11528527"/>
+            <a:ext cx="3621024" cy="369332"/>
+          </a:xfrm>
+          <a:prstGeom prst="rect">
+            <a:avLst/>
+          </a:prstGeom>
+          <a:noFill/>
+        </p:spPr>
+        <p:txBody>
+          <a:bodyPr wrap="square" rtlCol="0">
+            <a:spAutoFit/>
+          </a:bodyPr>
+          <a:lstStyle/>
+          <a:p>
+            <a:r>
+              <a:rPr lang="zh-TW" altLang="en-US" dirty="0">
+                <a:solidFill>
+                  <a:schemeClr val="bg1"/>
+                </a:solidFill>
+                <a:latin typeface="Times New Roman" panose="02020603050405020304" pitchFamily="18" charset="0"/>
+                <a:ea typeface="微軟正黑體" panose="020B0604030504040204" pitchFamily="34" charset="-120"/>
+              </a:rPr>
+              <a:t>台北科技大學－資訊工程</a:t>
+            </a:r>
+            <a:r>
+              <a:rPr lang="zh-TW" altLang="en-US" dirty="0" smtClean="0">
+                <a:solidFill>
+                  <a:schemeClr val="bg1"/>
+                </a:solidFill>
+                <a:latin typeface="Times New Roman" panose="02020603050405020304" pitchFamily="18" charset="0"/>
+                <a:ea typeface="微軟正黑體" panose="020B0604030504040204" pitchFamily="34" charset="-120"/>
+              </a:rPr>
+              <a:t>系</a:t>
+            </a:r>
+            <a:endParaRPr lang="zh-TW" altLang="en-US" sz="2000" dirty="0">
+              <a:solidFill>
+                <a:schemeClr val="bg1"/>
+              </a:solidFill>
+              <a:latin typeface="Times New Roman" panose="02020603050405020304" pitchFamily="18" charset="0"/>
+              <a:ea typeface="微軟正黑體" panose="020B0604030504040204" pitchFamily="34" charset="-120"/>
+            </a:endParaRPr>
+          </a:p>
+        </p:txBody>
+      </p:sp>
+      <p:cxnSp>
+        <p:nvCxnSpPr>
+          <p:cNvPr id="139" name="直線接點 138"/>
+          <p:cNvCxnSpPr/>
+          <p:nvPr/>
+        </p:nvCxnSpPr>
+        <p:spPr>
+          <a:xfrm>
+            <a:off x="335825" y="12200646"/>
+            <a:ext cx="7619023" cy="0"/>
+          </a:xfrm>
+          <a:prstGeom prst="line">
+            <a:avLst/>
+          </a:prstGeom>
+          <a:ln w="22225">
+            <a:solidFill>
+              <a:schemeClr val="bg1"/>
+            </a:solidFill>
+            <a:prstDash val="sysDash"/>
+          </a:ln>
+        </p:spPr>
+        <p:style>
+          <a:lnRef idx="1">
+            <a:schemeClr val="accent1"/>
+          </a:lnRef>
+          <a:fillRef idx="0">
+            <a:schemeClr val="accent1"/>
+          </a:fillRef>
+          <a:effectRef idx="0">
+            <a:schemeClr val="accent1"/>
+          </a:effectRef>
+          <a:fontRef idx="minor">
+            <a:schemeClr val="tx1"/>
+          </a:fontRef>
+        </p:style>
+      </p:cxnSp>
+      <p:sp>
+        <p:nvSpPr>
+          <p:cNvPr id="145" name="文字方塊 144"/>
+          <p:cNvSpPr txBox="1"/>
+          <p:nvPr/>
+        </p:nvSpPr>
+        <p:spPr>
+          <a:xfrm>
+            <a:off x="2338714" y="11839044"/>
+            <a:ext cx="4061592" cy="246221"/>
+          </a:xfrm>
+          <a:prstGeom prst="rect">
+            <a:avLst/>
+          </a:prstGeom>
+          <a:noFill/>
+        </p:spPr>
+        <p:txBody>
+          <a:bodyPr wrap="square" rtlCol="0">
+            <a:spAutoFit/>
+          </a:bodyPr>
+          <a:lstStyle/>
+          <a:p>
+            <a:r>
+              <a:rPr lang="en-US" altLang="zh-TW" sz="1000" dirty="0">
+                <a:solidFill>
+                  <a:schemeClr val="bg1"/>
+                </a:solidFill>
+                <a:latin typeface="Times New Roman" panose="02020603050405020304" pitchFamily="18" charset="0"/>
+                <a:ea typeface="微軟正黑體" panose="020B0604030504040204" pitchFamily="34" charset="-120"/>
+                <a:cs typeface="Times New Roman" panose="02020603050405020304" pitchFamily="18" charset="0"/>
+              </a:rPr>
+              <a:t>NTUT Dept. of Computer Science &amp; Information Engineering</a:t>
+            </a:r>
+            <a:endParaRPr lang="zh-TW" altLang="en-US" sz="1000" dirty="0">
+              <a:solidFill>
+                <a:schemeClr val="bg1"/>
+              </a:solidFill>
+              <a:latin typeface="Times New Roman" panose="02020603050405020304" pitchFamily="18" charset="0"/>
+              <a:ea typeface="微軟正黑體" panose="020B0604030504040204" pitchFamily="34" charset="-120"/>
+              <a:cs typeface="Times New Roman" panose="02020603050405020304" pitchFamily="18" charset="0"/>
+            </a:endParaRPr>
+          </a:p>
+        </p:txBody>
+      </p:sp>
+      <p:grpSp>
+        <p:nvGrpSpPr>
+          <p:cNvPr id="153" name="群組 152"/>
+          <p:cNvGrpSpPr/>
+          <p:nvPr/>
+        </p:nvGrpSpPr>
+        <p:grpSpPr>
+          <a:xfrm>
+            <a:off x="335825" y="12294005"/>
+            <a:ext cx="2312304" cy="1210734"/>
+            <a:chOff x="335825" y="12294005"/>
+            <a:chExt cx="2312304" cy="1210734"/>
+          </a:xfrm>
+        </p:grpSpPr>
+        <p:sp>
+          <p:nvSpPr>
+            <p:cNvPr id="146" name="文字方塊 145"/>
+            <p:cNvSpPr txBox="1"/>
+            <p:nvPr/>
+          </p:nvSpPr>
+          <p:spPr>
+            <a:xfrm>
+              <a:off x="335825" y="12581409"/>
+              <a:ext cx="2312304" cy="923330"/>
+            </a:xfrm>
+            <a:prstGeom prst="rect">
+              <a:avLst/>
+            </a:prstGeom>
+            <a:noFill/>
+          </p:spPr>
+          <p:txBody>
+            <a:bodyPr wrap="square" rtlCol="0">
+              <a:spAutoFit/>
+            </a:bodyPr>
+            <a:lstStyle/>
+            <a:p>
+              <a:pPr marL="36000" indent="-108000">
+                <a:buFont typeface="Arial" panose="020B0604020202020204" pitchFamily="34" charset="0"/>
+                <a:buChar char="•"/>
+              </a:pPr>
+              <a:r>
+                <a:rPr lang="zh-TW" altLang="en-US" sz="900" dirty="0" smtClean="0">
+                  <a:solidFill>
+                    <a:schemeClr val="bg1"/>
+                  </a:solidFill>
+                  <a:latin typeface="Times New Roman" panose="02020603050405020304" pitchFamily="18" charset="0"/>
+                  <a:ea typeface="微軟正黑體" panose="020B0604030504040204" pitchFamily="34" charset="-120"/>
+                </a:rPr>
+                <a:t>校</a:t>
+              </a:r>
+              <a:r>
+                <a:rPr lang="zh-TW" altLang="en-US" sz="900" dirty="0">
+                  <a:solidFill>
+                    <a:schemeClr val="bg1"/>
+                  </a:solidFill>
+                  <a:latin typeface="Times New Roman" panose="02020603050405020304" pitchFamily="18" charset="0"/>
+                  <a:ea typeface="微軟正黑體" panose="020B0604030504040204" pitchFamily="34" charset="-120"/>
+                </a:rPr>
+                <a:t>　　址：台北市忠孝東路三段一號</a:t>
+              </a:r>
+            </a:p>
+            <a:p>
+              <a:pPr marL="36000" indent="-108000">
+                <a:buFont typeface="Arial" panose="020B0604020202020204" pitchFamily="34" charset="0"/>
+                <a:buChar char="•"/>
+              </a:pPr>
+              <a:r>
+                <a:rPr lang="zh-TW" altLang="en-US" sz="900" dirty="0">
+                  <a:solidFill>
+                    <a:schemeClr val="bg1"/>
+                  </a:solidFill>
+                  <a:latin typeface="Times New Roman" panose="02020603050405020304" pitchFamily="18" charset="0"/>
+                  <a:ea typeface="微軟正黑體" panose="020B0604030504040204" pitchFamily="34" charset="-120"/>
+                </a:rPr>
+                <a:t>系辦位置：宏裕科技大樓三樓 </a:t>
+              </a:r>
+              <a:r>
+                <a:rPr lang="en-US" altLang="zh-TW" sz="900" dirty="0">
+                  <a:solidFill>
+                    <a:schemeClr val="bg1"/>
+                  </a:solidFill>
+                  <a:latin typeface="Times New Roman" panose="02020603050405020304" pitchFamily="18" charset="0"/>
+                  <a:ea typeface="微軟正黑體" panose="020B0604030504040204" pitchFamily="34" charset="-120"/>
+                </a:rPr>
+                <a:t>331</a:t>
+              </a:r>
+              <a:r>
+                <a:rPr lang="zh-TW" altLang="en-US" sz="900" dirty="0">
+                  <a:solidFill>
+                    <a:schemeClr val="bg1"/>
+                  </a:solidFill>
+                  <a:latin typeface="Times New Roman" panose="02020603050405020304" pitchFamily="18" charset="0"/>
+                  <a:ea typeface="微軟正黑體" panose="020B0604030504040204" pitchFamily="34" charset="-120"/>
+                </a:rPr>
+                <a:t>室</a:t>
+              </a:r>
+            </a:p>
+            <a:p>
+              <a:pPr marL="36000" indent="-108000">
+                <a:buFont typeface="Arial" panose="020B0604020202020204" pitchFamily="34" charset="0"/>
+                <a:buChar char="•"/>
+              </a:pPr>
+              <a:r>
+                <a:rPr lang="zh-TW" altLang="en-US" sz="900" dirty="0">
+                  <a:solidFill>
+                    <a:schemeClr val="bg1"/>
+                  </a:solidFill>
+                  <a:latin typeface="Times New Roman" panose="02020603050405020304" pitchFamily="18" charset="0"/>
+                  <a:ea typeface="微軟正黑體" panose="020B0604030504040204" pitchFamily="34" charset="-120"/>
+                </a:rPr>
+                <a:t>聯絡電話：</a:t>
+              </a:r>
+              <a:r>
+                <a:rPr lang="en-US" altLang="zh-TW" sz="900" dirty="0">
+                  <a:solidFill>
+                    <a:schemeClr val="bg1"/>
+                  </a:solidFill>
+                  <a:latin typeface="Times New Roman" panose="02020603050405020304" pitchFamily="18" charset="0"/>
+                  <a:ea typeface="微軟正黑體" panose="020B0604030504040204" pitchFamily="34" charset="-120"/>
+                </a:rPr>
+                <a:t>(02)2771-2171 </a:t>
+              </a:r>
+              <a:r>
+                <a:rPr lang="zh-TW" altLang="en-US" sz="900" dirty="0">
+                  <a:solidFill>
+                    <a:schemeClr val="bg1"/>
+                  </a:solidFill>
+                  <a:latin typeface="Times New Roman" panose="02020603050405020304" pitchFamily="18" charset="0"/>
+                  <a:ea typeface="微軟正黑體" panose="020B0604030504040204" pitchFamily="34" charset="-120"/>
+                </a:rPr>
+                <a:t>轉 </a:t>
+              </a:r>
+              <a:r>
+                <a:rPr lang="en-US" altLang="zh-TW" sz="900" dirty="0">
+                  <a:solidFill>
+                    <a:schemeClr val="bg1"/>
+                  </a:solidFill>
+                  <a:latin typeface="Times New Roman" panose="02020603050405020304" pitchFamily="18" charset="0"/>
+                  <a:ea typeface="微軟正黑體" panose="020B0604030504040204" pitchFamily="34" charset="-120"/>
+                </a:rPr>
+                <a:t>4200</a:t>
+              </a:r>
+            </a:p>
+            <a:p>
+              <a:pPr marL="36000" indent="-108000">
+                <a:buFont typeface="Arial" panose="020B0604020202020204" pitchFamily="34" charset="0"/>
+                <a:buChar char="•"/>
+              </a:pPr>
+              <a:r>
+                <a:rPr lang="zh-TW" altLang="en-US" sz="900" dirty="0">
+                  <a:solidFill>
+                    <a:schemeClr val="bg1"/>
+                  </a:solidFill>
+                  <a:latin typeface="Times New Roman" panose="02020603050405020304" pitchFamily="18" charset="0"/>
+                  <a:ea typeface="微軟正黑體" panose="020B0604030504040204" pitchFamily="34" charset="-120"/>
+                </a:rPr>
+                <a:t>傳　　真：</a:t>
+              </a:r>
+              <a:r>
+                <a:rPr lang="en-US" altLang="zh-TW" sz="900" dirty="0">
+                  <a:solidFill>
+                    <a:schemeClr val="bg1"/>
+                  </a:solidFill>
+                  <a:latin typeface="Times New Roman" panose="02020603050405020304" pitchFamily="18" charset="0"/>
+                  <a:ea typeface="微軟正黑體" panose="020B0604030504040204" pitchFamily="34" charset="-120"/>
+                </a:rPr>
+                <a:t>(02)8773-2945</a:t>
+              </a:r>
+            </a:p>
+            <a:p>
+              <a:pPr marL="36000" indent="-108000">
+                <a:buFont typeface="Arial" panose="020B0604020202020204" pitchFamily="34" charset="0"/>
+                <a:buChar char="•"/>
+              </a:pPr>
+              <a:r>
+                <a:rPr lang="en-US" altLang="zh-TW" sz="900" dirty="0">
+                  <a:solidFill>
+                    <a:schemeClr val="bg1"/>
+                  </a:solidFill>
+                  <a:latin typeface="Times New Roman" panose="02020603050405020304" pitchFamily="18" charset="0"/>
+                  <a:ea typeface="微軟正黑體" panose="020B0604030504040204" pitchFamily="34" charset="-120"/>
+                </a:rPr>
+                <a:t>E-mail</a:t>
+              </a:r>
+              <a:r>
+                <a:rPr lang="zh-TW" altLang="en-US" sz="900" dirty="0">
+                  <a:solidFill>
+                    <a:schemeClr val="bg1"/>
+                  </a:solidFill>
+                  <a:latin typeface="Times New Roman" panose="02020603050405020304" pitchFamily="18" charset="0"/>
+                  <a:ea typeface="微軟正黑體" panose="020B0604030504040204" pitchFamily="34" charset="-120"/>
+                </a:rPr>
+                <a:t>：</a:t>
+              </a:r>
+              <a:r>
+                <a:rPr lang="en-US" altLang="zh-TW" sz="900" dirty="0">
+                  <a:solidFill>
+                    <a:schemeClr val="bg1"/>
+                  </a:solidFill>
+                  <a:latin typeface="Times New Roman" panose="02020603050405020304" pitchFamily="18" charset="0"/>
+                  <a:ea typeface="微軟正黑體" panose="020B0604030504040204" pitchFamily="34" charset="-120"/>
+                </a:rPr>
+                <a:t>wwwcsie@ntut.edu.tw</a:t>
+              </a:r>
+            </a:p>
+            <a:p>
+              <a:pPr indent="-108000"/>
+              <a:endParaRPr lang="zh-TW" altLang="en-US" sz="900" dirty="0">
+                <a:solidFill>
+                  <a:schemeClr val="bg1"/>
+                </a:solidFill>
+                <a:latin typeface="Times New Roman" panose="02020603050405020304" pitchFamily="18" charset="0"/>
+                <a:ea typeface="微軟正黑體" panose="020B0604030504040204" pitchFamily="34" charset="-120"/>
+              </a:endParaRPr>
+            </a:p>
+          </p:txBody>
+        </p:sp>
+        <p:sp>
+          <p:nvSpPr>
+            <p:cNvPr id="147" name="文字方塊 146"/>
+            <p:cNvSpPr txBox="1"/>
+            <p:nvPr/>
+          </p:nvSpPr>
+          <p:spPr>
+            <a:xfrm>
+              <a:off x="357046" y="12294005"/>
+              <a:ext cx="1512481" cy="307777"/>
+            </a:xfrm>
+            <a:prstGeom prst="rect">
+              <a:avLst/>
+            </a:prstGeom>
+            <a:noFill/>
+          </p:spPr>
+          <p:txBody>
+            <a:bodyPr wrap="square" rtlCol="0">
+              <a:spAutoFit/>
+            </a:bodyPr>
+            <a:lstStyle/>
+            <a:p>
+              <a:r>
+                <a:rPr lang="zh-TW" altLang="en-US" sz="1400" b="1" dirty="0" smtClean="0">
+                  <a:solidFill>
+                    <a:schemeClr val="bg1"/>
+                  </a:solidFill>
+                  <a:latin typeface="Times New Roman" panose="02020603050405020304" pitchFamily="18" charset="0"/>
+                  <a:ea typeface="微軟正黑體" panose="020B0604030504040204" pitchFamily="34" charset="-120"/>
+                </a:rPr>
+                <a:t>聯絡方</a:t>
+              </a:r>
+              <a:r>
+                <a:rPr lang="zh-TW" altLang="en-US" sz="1400" b="1" dirty="0">
+                  <a:solidFill>
+                    <a:schemeClr val="bg1"/>
+                  </a:solidFill>
+                  <a:latin typeface="Times New Roman" panose="02020603050405020304" pitchFamily="18" charset="0"/>
+                  <a:ea typeface="微軟正黑體" panose="020B0604030504040204" pitchFamily="34" charset="-120"/>
+                </a:rPr>
+                <a:t>式</a:t>
+              </a:r>
+            </a:p>
+          </p:txBody>
+        </p:sp>
+      </p:grpSp>
+      <p:grpSp>
+        <p:nvGrpSpPr>
+          <p:cNvPr id="154" name="群組 153"/>
+          <p:cNvGrpSpPr/>
+          <p:nvPr/>
+        </p:nvGrpSpPr>
+        <p:grpSpPr>
+          <a:xfrm>
+            <a:off x="2918638" y="12295871"/>
+            <a:ext cx="2312304" cy="1072234"/>
+            <a:chOff x="335825" y="12294005"/>
+            <a:chExt cx="2312304" cy="1072234"/>
+          </a:xfrm>
+        </p:grpSpPr>
+        <p:sp>
+          <p:nvSpPr>
+            <p:cNvPr id="155" name="文字方塊 154"/>
+            <p:cNvSpPr txBox="1"/>
+            <p:nvPr/>
+          </p:nvSpPr>
+          <p:spPr>
+            <a:xfrm>
+              <a:off x="335825" y="12581409"/>
+              <a:ext cx="2312304" cy="784830"/>
+            </a:xfrm>
+            <a:prstGeom prst="rect">
+              <a:avLst/>
+            </a:prstGeom>
+            <a:noFill/>
+          </p:spPr>
+          <p:txBody>
+            <a:bodyPr wrap="square" rtlCol="0">
+              <a:spAutoFit/>
+            </a:bodyPr>
+            <a:lstStyle/>
+            <a:p>
+              <a:pPr marL="36000" indent="-108000">
+                <a:buFont typeface="Arial" panose="020B0604020202020204" pitchFamily="34" charset="0"/>
+                <a:buChar char="•"/>
+              </a:pPr>
+              <a:r>
+                <a:rPr lang="zh-TW" altLang="en-US" sz="900" dirty="0" smtClean="0">
+                  <a:solidFill>
+                    <a:schemeClr val="bg1"/>
+                  </a:solidFill>
+                  <a:latin typeface="Times New Roman" panose="02020603050405020304" pitchFamily="18" charset="0"/>
+                  <a:ea typeface="微軟正黑體" panose="020B0604030504040204" pitchFamily="34" charset="-120"/>
+                </a:rPr>
+                <a:t>國立台北科技大學首頁</a:t>
+              </a:r>
+            </a:p>
+            <a:p>
+              <a:pPr marL="36000" indent="-108000">
+                <a:buFont typeface="Arial" panose="020B0604020202020204" pitchFamily="34" charset="0"/>
+                <a:buChar char="•"/>
+              </a:pPr>
+              <a:r>
+                <a:rPr lang="zh-TW" altLang="en-US" sz="900" dirty="0" smtClean="0">
+                  <a:solidFill>
+                    <a:schemeClr val="bg1"/>
+                  </a:solidFill>
+                  <a:latin typeface="Times New Roman" panose="02020603050405020304" pitchFamily="18" charset="0"/>
+                  <a:ea typeface="微軟正黑體" panose="020B0604030504040204" pitchFamily="34" charset="-120"/>
+                </a:rPr>
+                <a:t>國立台北科技大學電資學院</a:t>
+              </a:r>
+            </a:p>
+            <a:p>
+              <a:pPr marL="36000" indent="-108000">
+                <a:buFont typeface="Arial" panose="020B0604020202020204" pitchFamily="34" charset="0"/>
+                <a:buChar char="•"/>
+              </a:pPr>
+              <a:r>
+                <a:rPr lang="zh-TW" altLang="en-US" sz="900" dirty="0" smtClean="0">
+                  <a:solidFill>
+                    <a:schemeClr val="bg1"/>
+                  </a:solidFill>
+                  <a:latin typeface="Times New Roman" panose="02020603050405020304" pitchFamily="18" charset="0"/>
+                  <a:ea typeface="微軟正黑體" panose="020B0604030504040204" pitchFamily="34" charset="-120"/>
+                </a:rPr>
+                <a:t>國立台北科技大學圖書館</a:t>
+              </a:r>
+            </a:p>
+            <a:p>
+              <a:pPr marL="36000" indent="-108000">
+                <a:buFont typeface="Arial" panose="020B0604020202020204" pitchFamily="34" charset="0"/>
+                <a:buChar char="•"/>
+              </a:pPr>
+              <a:r>
+                <a:rPr lang="zh-TW" altLang="en-US" sz="900" dirty="0" smtClean="0">
+                  <a:solidFill>
+                    <a:schemeClr val="bg1"/>
+                  </a:solidFill>
+                  <a:latin typeface="Times New Roman" panose="02020603050405020304" pitchFamily="18" charset="0"/>
+                  <a:ea typeface="微軟正黑體" panose="020B0604030504040204" pitchFamily="34" charset="-120"/>
+                </a:rPr>
+                <a:t>國立台北科技大學實習資訊</a:t>
+              </a:r>
+            </a:p>
+            <a:p>
+              <a:pPr marL="36000" indent="-108000">
+                <a:buFont typeface="Arial" panose="020B0604020202020204" pitchFamily="34" charset="0"/>
+                <a:buChar char="•"/>
+              </a:pPr>
+              <a:r>
+                <a:rPr lang="zh-TW" altLang="en-US" sz="900" dirty="0" smtClean="0">
+                  <a:solidFill>
+                    <a:schemeClr val="bg1"/>
+                  </a:solidFill>
+                  <a:latin typeface="Times New Roman" panose="02020603050405020304" pitchFamily="18" charset="0"/>
+                  <a:ea typeface="微軟正黑體" panose="020B0604030504040204" pitchFamily="34" charset="-120"/>
+                </a:rPr>
+                <a:t>開放式網路教室</a:t>
+              </a:r>
+              <a:endParaRPr lang="zh-TW" altLang="en-US" sz="900" dirty="0">
+                <a:solidFill>
+                  <a:schemeClr val="bg1"/>
+                </a:solidFill>
+                <a:latin typeface="Times New Roman" panose="02020603050405020304" pitchFamily="18" charset="0"/>
+                <a:ea typeface="微軟正黑體" panose="020B0604030504040204" pitchFamily="34" charset="-120"/>
+              </a:endParaRPr>
+            </a:p>
+          </p:txBody>
+        </p:sp>
+        <p:sp>
+          <p:nvSpPr>
+            <p:cNvPr id="156" name="文字方塊 155"/>
+            <p:cNvSpPr txBox="1"/>
+            <p:nvPr/>
+          </p:nvSpPr>
+          <p:spPr>
+            <a:xfrm>
+              <a:off x="357046" y="12294005"/>
+              <a:ext cx="1512481" cy="307777"/>
+            </a:xfrm>
+            <a:prstGeom prst="rect">
+              <a:avLst/>
+            </a:prstGeom>
+            <a:noFill/>
+          </p:spPr>
+          <p:txBody>
+            <a:bodyPr wrap="square" rtlCol="0">
+              <a:spAutoFit/>
+            </a:bodyPr>
+            <a:lstStyle/>
+            <a:p>
+              <a:r>
+                <a:rPr lang="zh-TW" altLang="en-US" sz="1400" b="1" dirty="0" smtClean="0">
+                  <a:solidFill>
+                    <a:schemeClr val="bg1"/>
+                  </a:solidFill>
+                  <a:latin typeface="Times New Roman" panose="02020603050405020304" pitchFamily="18" charset="0"/>
+                  <a:ea typeface="微軟正黑體" panose="020B0604030504040204" pitchFamily="34" charset="-120"/>
+                </a:rPr>
+                <a:t>相關網站</a:t>
+              </a:r>
+              <a:endParaRPr lang="zh-TW" altLang="en-US" sz="1400" b="1" dirty="0">
+                <a:solidFill>
+                  <a:schemeClr val="bg1"/>
+                </a:solidFill>
+                <a:latin typeface="Times New Roman" panose="02020603050405020304" pitchFamily="18" charset="0"/>
+                <a:ea typeface="微軟正黑體" panose="020B0604030504040204" pitchFamily="34" charset="-120"/>
+              </a:endParaRPr>
+            </a:p>
+          </p:txBody>
+        </p:sp>
+      </p:grpSp>
+      <p:grpSp>
+        <p:nvGrpSpPr>
+          <p:cNvPr id="157" name="群組 156"/>
+          <p:cNvGrpSpPr/>
+          <p:nvPr/>
+        </p:nvGrpSpPr>
+        <p:grpSpPr>
+          <a:xfrm>
+            <a:off x="5498032" y="12248559"/>
+            <a:ext cx="2312304" cy="656736"/>
+            <a:chOff x="335825" y="12294005"/>
+            <a:chExt cx="2312304" cy="656736"/>
+          </a:xfrm>
+        </p:grpSpPr>
+        <p:sp>
+          <p:nvSpPr>
+            <p:cNvPr id="158" name="文字方塊 157"/>
+            <p:cNvSpPr txBox="1"/>
+            <p:nvPr/>
+          </p:nvSpPr>
+          <p:spPr>
+            <a:xfrm>
+              <a:off x="335825" y="12581409"/>
+              <a:ext cx="2312304" cy="369332"/>
+            </a:xfrm>
+            <a:prstGeom prst="rect">
+              <a:avLst/>
+            </a:prstGeom>
+            <a:noFill/>
+          </p:spPr>
+          <p:txBody>
+            <a:bodyPr wrap="square" rtlCol="0">
+              <a:spAutoFit/>
+            </a:bodyPr>
+            <a:lstStyle/>
+            <a:p>
+              <a:pPr marL="36000" indent="-108000">
+                <a:buFont typeface="Arial" panose="020B0604020202020204" pitchFamily="34" charset="0"/>
+                <a:buChar char="•"/>
+              </a:pPr>
+              <a:r>
+                <a:rPr lang="en-US" altLang="zh-TW" sz="900" dirty="0" smtClean="0">
+                  <a:solidFill>
+                    <a:schemeClr val="bg1"/>
+                  </a:solidFill>
+                  <a:latin typeface="Times New Roman" panose="02020603050405020304" pitchFamily="18" charset="0"/>
+                  <a:ea typeface="微軟正黑體" panose="020B0604030504040204" pitchFamily="34" charset="-120"/>
+                </a:rPr>
+                <a:t>Contact Us</a:t>
+              </a:r>
+            </a:p>
+            <a:p>
+              <a:pPr marL="36000" indent="-108000">
+                <a:buFont typeface="Arial" panose="020B0604020202020204" pitchFamily="34" charset="0"/>
+                <a:buChar char="•"/>
+              </a:pPr>
+              <a:r>
+                <a:rPr lang="zh-TW" altLang="en-US" sz="900" dirty="0" smtClean="0">
+                  <a:solidFill>
+                    <a:schemeClr val="bg1"/>
+                  </a:solidFill>
+                  <a:latin typeface="Times New Roman" panose="02020603050405020304" pitchFamily="18" charset="0"/>
+                  <a:ea typeface="微軟正黑體" panose="020B0604030504040204" pitchFamily="34" charset="-120"/>
+                </a:rPr>
+                <a:t>北科資工系學會</a:t>
+              </a:r>
+              <a:endParaRPr lang="zh-TW" altLang="en-US" sz="900" dirty="0">
+                <a:solidFill>
+                  <a:schemeClr val="bg1"/>
+                </a:solidFill>
+                <a:latin typeface="Times New Roman" panose="02020603050405020304" pitchFamily="18" charset="0"/>
+                <a:ea typeface="微軟正黑體" panose="020B0604030504040204" pitchFamily="34" charset="-120"/>
+              </a:endParaRPr>
+            </a:p>
+          </p:txBody>
+        </p:sp>
+        <p:sp>
+          <p:nvSpPr>
+            <p:cNvPr id="159" name="文字方塊 158"/>
+            <p:cNvSpPr txBox="1"/>
+            <p:nvPr/>
+          </p:nvSpPr>
+          <p:spPr>
+            <a:xfrm>
+              <a:off x="357046" y="12294005"/>
+              <a:ext cx="1512481" cy="307777"/>
+            </a:xfrm>
+            <a:prstGeom prst="rect">
+              <a:avLst/>
+            </a:prstGeom>
+            <a:noFill/>
+          </p:spPr>
+          <p:txBody>
+            <a:bodyPr wrap="square" rtlCol="0">
+              <a:spAutoFit/>
+            </a:bodyPr>
+            <a:lstStyle/>
+            <a:p>
+              <a:r>
+                <a:rPr lang="zh-TW" altLang="en-US" sz="1400" b="1" dirty="0" smtClean="0">
+                  <a:solidFill>
+                    <a:schemeClr val="bg1"/>
+                  </a:solidFill>
+                  <a:latin typeface="Times New Roman" panose="02020603050405020304" pitchFamily="18" charset="0"/>
+                  <a:ea typeface="微軟正黑體" panose="020B0604030504040204" pitchFamily="34" charset="-120"/>
+                </a:rPr>
+                <a:t>其他</a:t>
+              </a:r>
+              <a:endParaRPr lang="zh-TW" altLang="en-US" sz="1400" b="1" dirty="0">
+                <a:solidFill>
+                  <a:schemeClr val="bg1"/>
+                </a:solidFill>
+                <a:latin typeface="Times New Roman" panose="02020603050405020304" pitchFamily="18" charset="0"/>
+                <a:ea typeface="微軟正黑體" panose="020B0604030504040204" pitchFamily="34" charset="-120"/>
+              </a:endParaRPr>
+            </a:p>
+          </p:txBody>
+        </p:sp>
+      </p:grpSp>
+      <p:sp>
+        <p:nvSpPr>
+          <p:cNvPr id="160" name="文字方塊 159"/>
+          <p:cNvSpPr txBox="1"/>
+          <p:nvPr/>
+        </p:nvSpPr>
+        <p:spPr>
+          <a:xfrm>
+            <a:off x="357046" y="13336973"/>
+            <a:ext cx="1995796" cy="230832"/>
+          </a:xfrm>
+          <a:prstGeom prst="rect">
+            <a:avLst/>
+          </a:prstGeom>
+          <a:noFill/>
+        </p:spPr>
+        <p:txBody>
+          <a:bodyPr wrap="square" rtlCol="0">
+            <a:spAutoFit/>
+          </a:bodyPr>
+          <a:lstStyle/>
+          <a:p>
+            <a:r>
+              <a:rPr lang="en-US" altLang="zh-TW" sz="900" dirty="0" smtClean="0">
+                <a:solidFill>
+                  <a:schemeClr val="bg1"/>
+                </a:solidFill>
+              </a:rPr>
+              <a:t>Copyright © 2016</a:t>
+            </a:r>
+            <a:endParaRPr lang="zh-TW" altLang="en-US" sz="900" dirty="0">
+              <a:solidFill>
+                <a:schemeClr val="bg1"/>
+              </a:solidFill>
+            </a:endParaRPr>
+          </a:p>
+        </p:txBody>
+      </p:sp>
     </p:spTree>
     <p:extLst>
       <p:ext uri="{BB962C8B-B14F-4D97-AF65-F5344CB8AC3E}">
-        <p14:creationId xmlns:p14="http://schemas.microsoft.com/office/powerpoint/2010/main" val="568661540"/>
+        <p14:creationId xmlns:p14="http://schemas.microsoft.com/office/powerpoint/2010/main" val="2766506480"/>
       </p:ext>
     </p:extLst>
   </p:cSld>

--- a/photo/視覺稿/MainPage.pptx
+++ b/photo/視覺稿/MainPage.pptx
@@ -104,6 +104,11 @@
       </a:defRPr>
     </a:lvl9pPr>
   </p:defaultTextStyle>
+  <p:extLst>
+    <p:ext uri="{EFAFB233-063F-42B5-8137-9DF3F51BA10A}">
+      <p15:sldGuideLst xmlns:p15="http://schemas.microsoft.com/office/powerpoint/2012/main"/>
+    </p:ext>
+  </p:extLst>
 </p:presentation>
 </file>
 
@@ -5509,7 +5514,7 @@
         </p:nvSpPr>
         <p:spPr>
           <a:xfrm>
-            <a:off x="21001" y="11475127"/>
+            <a:off x="2713" y="11475127"/>
             <a:ext cx="8202674" cy="2212563"/>
           </a:xfrm>
           <a:prstGeom prst="rect">
